--- a/Poster Slide.pptx
+++ b/Poster Slide.pptx
@@ -1,16 +1,16 @@
 
 <file path=ppt/presentation.xml><?xml version="1.0" encoding="utf-8"?>
-<p:presentation xmlns:a="http://schemas.openxmlformats.org/drawingml/2006/main" xmlns:r="http://schemas.openxmlformats.org/officeDocument/2006/relationships" xmlns:p="http://schemas.openxmlformats.org/presentationml/2006/main" xmlns:m="http://schemas.openxmlformats.org/officeDocument/2006/math" xmlns:a14="http://schemas.microsoft.com/office/drawing/2010/main">
+<p:presentation xmlns:a="http://schemas.openxmlformats.org/drawingml/2006/main" xmlns:r="http://schemas.openxmlformats.org/officeDocument/2006/relationships" xmlns:p="http://schemas.openxmlformats.org/presentationml/2006/main">
   <p:sldMasterIdLst>
-    <p:sldMasterId id="2147483648" r:id="rId5"/>
+    <p:sldMasterId id="2147483648" r:id="rId1"/>
   </p:sldMasterIdLst>
   <p:notesMasterIdLst>
-    <p:notesMasterId r:id="rId7"/>
+    <p:notesMasterId r:id="rId3"/>
   </p:notesMasterIdLst>
   <p:sldIdLst>
-    <p:sldId id="256" r:id="rId8"/>
+    <p:sldId id="256" r:id="rId2"/>
   </p:sldIdLst>
-  <p:sldSz cx="9144000" cy="5143500"/>
+  <p:sldSz cx="9144000" cy="5143500" type="screen16x9"/>
   <p:notesSz cx="6858000" cy="9144000"/>
   <p:defaultTextStyle>
     <a:defPPr marL="0" marR="0" indent="0" algn="l" defTabSz="914400" rtl="0" fontAlgn="auto" latinLnBrk="1" hangingPunct="0">
@@ -28,7 +28,7 @@
       <a:buFontTx/>
       <a:buNone/>
       <a:tabLst/>
-      <a:defRPr b="0" baseline="0" cap="none" i="0" spc="0" strike="noStrike" sz="1800" u="none" kumimoji="0" normalizeH="0">
+      <a:defRPr kumimoji="0" sz="1800" b="0" i="0" u="none" strike="noStrike" cap="none" spc="0" normalizeH="0" baseline="0">
         <a:ln>
           <a:noFill/>
         </a:ln>
@@ -54,7 +54,7 @@
       <a:buFontTx/>
       <a:buNone/>
       <a:tabLst/>
-      <a:defRPr b="0" baseline="0" cap="none" i="0" spc="0" strike="noStrike" sz="1400" u="none" kumimoji="0" normalizeH="0">
+      <a:defRPr kumimoji="0" sz="1400" b="0" i="0" u="none" strike="noStrike" cap="none" spc="0" normalizeH="0" baseline="0">
         <a:ln>
           <a:noFill/>
         </a:ln>
@@ -84,7 +84,7 @@
       <a:buFontTx/>
       <a:buNone/>
       <a:tabLst/>
-      <a:defRPr b="0" baseline="0" cap="none" i="0" spc="0" strike="noStrike" sz="1400" u="none" kumimoji="0" normalizeH="0">
+      <a:defRPr kumimoji="0" sz="1400" b="0" i="0" u="none" strike="noStrike" cap="none" spc="0" normalizeH="0" baseline="0">
         <a:ln>
           <a:noFill/>
         </a:ln>
@@ -114,7 +114,7 @@
       <a:buFontTx/>
       <a:buNone/>
       <a:tabLst/>
-      <a:defRPr b="0" baseline="0" cap="none" i="0" spc="0" strike="noStrike" sz="1400" u="none" kumimoji="0" normalizeH="0">
+      <a:defRPr kumimoji="0" sz="1400" b="0" i="0" u="none" strike="noStrike" cap="none" spc="0" normalizeH="0" baseline="0">
         <a:ln>
           <a:noFill/>
         </a:ln>
@@ -144,7 +144,7 @@
       <a:buFontTx/>
       <a:buNone/>
       <a:tabLst/>
-      <a:defRPr b="0" baseline="0" cap="none" i="0" spc="0" strike="noStrike" sz="1400" u="none" kumimoji="0" normalizeH="0">
+      <a:defRPr kumimoji="0" sz="1400" b="0" i="0" u="none" strike="noStrike" cap="none" spc="0" normalizeH="0" baseline="0">
         <a:ln>
           <a:noFill/>
         </a:ln>
@@ -174,7 +174,7 @@
       <a:buFontTx/>
       <a:buNone/>
       <a:tabLst/>
-      <a:defRPr b="0" baseline="0" cap="none" i="0" spc="0" strike="noStrike" sz="1400" u="none" kumimoji="0" normalizeH="0">
+      <a:defRPr kumimoji="0" sz="1400" b="0" i="0" u="none" strike="noStrike" cap="none" spc="0" normalizeH="0" baseline="0">
         <a:ln>
           <a:noFill/>
         </a:ln>
@@ -204,7 +204,7 @@
       <a:buFontTx/>
       <a:buNone/>
       <a:tabLst/>
-      <a:defRPr b="0" baseline="0" cap="none" i="0" spc="0" strike="noStrike" sz="1400" u="none" kumimoji="0" normalizeH="0">
+      <a:defRPr kumimoji="0" sz="1400" b="0" i="0" u="none" strike="noStrike" cap="none" spc="0" normalizeH="0" baseline="0">
         <a:ln>
           <a:noFill/>
         </a:ln>
@@ -234,7 +234,7 @@
       <a:buFontTx/>
       <a:buNone/>
       <a:tabLst/>
-      <a:defRPr b="0" baseline="0" cap="none" i="0" spc="0" strike="noStrike" sz="1400" u="none" kumimoji="0" normalizeH="0">
+      <a:defRPr kumimoji="0" sz="1400" b="0" i="0" u="none" strike="noStrike" cap="none" spc="0" normalizeH="0" baseline="0">
         <a:ln>
           <a:noFill/>
         </a:ln>
@@ -264,7 +264,7 @@
       <a:buFontTx/>
       <a:buNone/>
       <a:tabLst/>
-      <a:defRPr b="0" baseline="0" cap="none" i="0" spc="0" strike="noStrike" sz="1400" u="none" kumimoji="0" normalizeH="0">
+      <a:defRPr kumimoji="0" sz="1400" b="0" i="0" u="none" strike="noStrike" cap="none" spc="0" normalizeH="0" baseline="0">
         <a:ln>
           <a:noFill/>
         </a:ln>
@@ -294,7 +294,7 @@
       <a:buFontTx/>
       <a:buNone/>
       <a:tabLst/>
-      <a:defRPr b="0" baseline="0" cap="none" i="0" spc="0" strike="noStrike" sz="1400" u="none" kumimoji="0" normalizeH="0">
+      <a:defRPr kumimoji="0" sz="1400" b="0" i="0" u="none" strike="noStrike" cap="none" spc="0" normalizeH="0" baseline="0">
         <a:ln>
           <a:noFill/>
         </a:ln>
@@ -313,13 +313,14 @@
 </p:presentation>
 </file>
 
-<file path=ppt/commentAuthors.xml><?xml version="1.0" encoding="utf-8"?>
-<p:cmAuthorLst xmlns:a="http://schemas.openxmlformats.org/drawingml/2006/main" xmlns:r="http://schemas.openxmlformats.org/officeDocument/2006/relationships" xmlns:p="http://schemas.openxmlformats.org/presentationml/2006/main" xmlns:m="http://schemas.openxmlformats.org/officeDocument/2006/math" xmlns:a14="http://schemas.microsoft.com/office/drawing/2010/main"/>
-</file>
-
 <file path=ppt/notesMasters/notesMaster1.xml><?xml version="1.0" encoding="utf-8"?>
-<p:notesMaster xmlns:a="http://schemas.openxmlformats.org/drawingml/2006/main" xmlns:r="http://schemas.openxmlformats.org/officeDocument/2006/relationships" xmlns:p="http://schemas.openxmlformats.org/presentationml/2006/main" xmlns:m="http://schemas.openxmlformats.org/officeDocument/2006/math" xmlns:a14="http://schemas.microsoft.com/office/drawing/2010/main">
+<p:notesMaster xmlns:a="http://schemas.openxmlformats.org/drawingml/2006/main" xmlns:r="http://schemas.openxmlformats.org/officeDocument/2006/relationships" xmlns:p="http://schemas.openxmlformats.org/presentationml/2006/main">
   <p:cSld>
+    <p:bg>
+      <p:bgRef idx="1001">
+        <a:schemeClr val="bg1"/>
+      </p:bgRef>
+    </p:bg>
     <p:spTree>
       <p:nvGrpSpPr>
         <p:cNvPr id="1" name=""/>
@@ -337,7 +338,9 @@
       <p:sp>
         <p:nvSpPr>
           <p:cNvPr id="106" name="Shape 106"/>
-          <p:cNvSpPr/>
+          <p:cNvSpPr>
+            <a:spLocks noGrp="1" noRot="1" noChangeAspect="1"/>
+          </p:cNvSpPr>
           <p:nvPr>
             <p:ph type="sldImg"/>
           </p:nvPr>
@@ -355,14 +358,16 @@
           <a:bodyPr/>
           <a:lstStyle/>
           <a:p>
-            <a:pPr/>
+            <a:endParaRPr/>
           </a:p>
         </p:txBody>
       </p:sp>
       <p:sp>
         <p:nvSpPr>
           <p:cNvPr id="107" name="Shape 107"/>
-          <p:cNvSpPr/>
+          <p:cNvSpPr>
+            <a:spLocks noGrp="1"/>
+          </p:cNvSpPr>
           <p:nvPr>
             <p:ph type="body" sz="quarter" idx="1"/>
           </p:nvPr>
@@ -380,7 +385,7 @@
           <a:bodyPr/>
           <a:lstStyle/>
           <a:p>
-            <a:pPr/>
+            <a:endParaRPr/>
           </a:p>
         </p:txBody>
       </p:sp>
@@ -465,7 +470,7 @@
 </file>
 
 <file path=ppt/slideLayouts/slideLayout1.xml><?xml version="1.0" encoding="utf-8"?>
-<p:sldLayout xmlns:a="http://schemas.openxmlformats.org/drawingml/2006/main" xmlns:r="http://schemas.openxmlformats.org/officeDocument/2006/relationships" xmlns:p="http://schemas.openxmlformats.org/presentationml/2006/main" xmlns:m="http://schemas.openxmlformats.org/officeDocument/2006/math" xmlns:a14="http://schemas.microsoft.com/office/drawing/2010/main" type="title" showMasterSp="1" showMasterPhAnim="1">
+<p:sldLayout xmlns:a="http://schemas.openxmlformats.org/drawingml/2006/main" xmlns:r="http://schemas.openxmlformats.org/officeDocument/2006/relationships" xmlns:p="http://schemas.openxmlformats.org/presentationml/2006/main" type="title">
   <p:cSld name="TITLE">
     <p:spTree>
       <p:nvGrpSpPr>
@@ -484,7 +489,9 @@
       <p:sp>
         <p:nvSpPr>
           <p:cNvPr id="11" name="标题文本"/>
-          <p:cNvSpPr txBox="1"/>
+          <p:cNvSpPr txBox="1">
+            <a:spLocks noGrp="1"/>
+          </p:cNvSpPr>
           <p:nvPr>
             <p:ph type="title"/>
           </p:nvPr>
@@ -506,7 +513,6 @@
             </a:lvl1pPr>
           </a:lstStyle>
           <a:p>
-            <a:pPr/>
             <a:r>
               <a:t>标题文本</a:t>
             </a:r>
@@ -516,7 +522,9 @@
       <p:sp>
         <p:nvSpPr>
           <p:cNvPr id="12" name="正文级别 1…"/>
-          <p:cNvSpPr txBox="1"/>
+          <p:cNvSpPr txBox="1">
+            <a:spLocks noGrp="1"/>
+          </p:cNvSpPr>
           <p:nvPr>
             <p:ph type="body" sz="quarter" idx="1"/>
           </p:nvPr>
@@ -585,7 +593,6 @@
             </a:lvl5pPr>
           </a:lstStyle>
           <a:p>
-            <a:pPr/>
             <a:r>
               <a:t>正文级别 1</a:t>
             </a:r>
@@ -619,7 +626,9 @@
       <p:sp>
         <p:nvSpPr>
           <p:cNvPr id="13" name="幻灯片编号"/>
-          <p:cNvSpPr txBox="1"/>
+          <p:cNvSpPr txBox="1">
+            <a:spLocks noGrp="1"/>
+          </p:cNvSpPr>
           <p:nvPr>
             <p:ph type="sldNum" sz="quarter" idx="2"/>
           </p:nvPr>
@@ -633,8 +642,10 @@
           <a:bodyPr/>
           <a:lstStyle/>
           <a:p>
-            <a:pPr/>
-            <a:fld id="{86CB4B4D-7CA3-9044-876B-883B54F8677D}" type="slidenum"/>
+            <a:fld id="{86CB4B4D-7CA3-9044-876B-883B54F8677D}" type="slidenum">
+              <a:t>‹#›</a:t>
+            </a:fld>
+            <a:endParaRPr/>
           </a:p>
         </p:txBody>
       </p:sp>
@@ -643,12 +654,12 @@
   <p:clrMapOvr>
     <a:masterClrMapping/>
   </p:clrMapOvr>
-  <p:transition xmlns:p14="http://schemas.microsoft.com/office/powerpoint/2010/main" spd="med" advClick="1"/>
+  <p:transition spd="med"/>
 </p:sldLayout>
 </file>
 
 <file path=ppt/slideLayouts/slideLayout10.xml><?xml version="1.0" encoding="utf-8"?>
-<p:sldLayout xmlns:a="http://schemas.openxmlformats.org/drawingml/2006/main" xmlns:r="http://schemas.openxmlformats.org/officeDocument/2006/relationships" xmlns:p="http://schemas.openxmlformats.org/presentationml/2006/main" xmlns:m="http://schemas.openxmlformats.org/officeDocument/2006/math" xmlns:a14="http://schemas.microsoft.com/office/drawing/2010/main" type="tx" showMasterSp="1" showMasterPhAnim="1">
+<p:sldLayout xmlns:a="http://schemas.openxmlformats.org/drawingml/2006/main" xmlns:r="http://schemas.openxmlformats.org/officeDocument/2006/relationships" xmlns:p="http://schemas.openxmlformats.org/presentationml/2006/main" type="tx">
   <p:cSld name="BIG_NUMBER">
     <p:spTree>
       <p:nvGrpSpPr>
@@ -667,7 +678,9 @@
       <p:sp>
         <p:nvSpPr>
           <p:cNvPr id="91" name="xx%"/>
-          <p:cNvSpPr txBox="1"/>
+          <p:cNvSpPr txBox="1">
+            <a:spLocks noGrp="1"/>
+          </p:cNvSpPr>
           <p:nvPr>
             <p:ph type="title" hasCustomPrompt="1"/>
           </p:nvPr>
@@ -689,7 +702,6 @@
             </a:lvl1pPr>
           </a:lstStyle>
           <a:p>
-            <a:pPr/>
             <a:r>
               <a:t>xx%</a:t>
             </a:r>
@@ -699,7 +711,9 @@
       <p:sp>
         <p:nvSpPr>
           <p:cNvPr id="92" name="正文级别 1…"/>
-          <p:cNvSpPr txBox="1"/>
+          <p:cNvSpPr txBox="1">
+            <a:spLocks noGrp="1"/>
+          </p:cNvSpPr>
           <p:nvPr>
             <p:ph type="body" sz="half" idx="1"/>
           </p:nvPr>
@@ -723,7 +737,6 @@
             <a:lvl5pPr algn="ctr"/>
           </a:lstStyle>
           <a:p>
-            <a:pPr/>
             <a:r>
               <a:t>正文级别 1</a:t>
             </a:r>
@@ -757,7 +770,9 @@
       <p:sp>
         <p:nvSpPr>
           <p:cNvPr id="93" name="幻灯片编号"/>
-          <p:cNvSpPr txBox="1"/>
+          <p:cNvSpPr txBox="1">
+            <a:spLocks noGrp="1"/>
+          </p:cNvSpPr>
           <p:nvPr>
             <p:ph type="sldNum" sz="quarter" idx="2"/>
           </p:nvPr>
@@ -771,8 +786,10 @@
           <a:bodyPr/>
           <a:lstStyle/>
           <a:p>
-            <a:pPr/>
-            <a:fld id="{86CB4B4D-7CA3-9044-876B-883B54F8677D}" type="slidenum"/>
+            <a:fld id="{86CB4B4D-7CA3-9044-876B-883B54F8677D}" type="slidenum">
+              <a:t>‹#›</a:t>
+            </a:fld>
+            <a:endParaRPr/>
           </a:p>
         </p:txBody>
       </p:sp>
@@ -781,12 +798,12 @@
   <p:clrMapOvr>
     <a:masterClrMapping/>
   </p:clrMapOvr>
-  <p:transition xmlns:p14="http://schemas.microsoft.com/office/powerpoint/2010/main" spd="med" advClick="1"/>
+  <p:transition spd="med"/>
 </p:sldLayout>
 </file>
 
 <file path=ppt/slideLayouts/slideLayout11.xml><?xml version="1.0" encoding="utf-8"?>
-<p:sldLayout xmlns:a="http://schemas.openxmlformats.org/drawingml/2006/main" xmlns:r="http://schemas.openxmlformats.org/officeDocument/2006/relationships" xmlns:p="http://schemas.openxmlformats.org/presentationml/2006/main" xmlns:m="http://schemas.openxmlformats.org/officeDocument/2006/math" xmlns:a14="http://schemas.microsoft.com/office/drawing/2010/main" type="tx" showMasterSp="1" showMasterPhAnim="1">
+<p:sldLayout xmlns:a="http://schemas.openxmlformats.org/drawingml/2006/main" xmlns:r="http://schemas.openxmlformats.org/officeDocument/2006/relationships" xmlns:p="http://schemas.openxmlformats.org/presentationml/2006/main" type="tx">
   <p:cSld name="BLANK">
     <p:spTree>
       <p:nvGrpSpPr>
@@ -805,7 +822,9 @@
       <p:sp>
         <p:nvSpPr>
           <p:cNvPr id="100" name="幻灯片编号"/>
-          <p:cNvSpPr txBox="1"/>
+          <p:cNvSpPr txBox="1">
+            <a:spLocks noGrp="1"/>
+          </p:cNvSpPr>
           <p:nvPr>
             <p:ph type="sldNum" sz="quarter" idx="2"/>
           </p:nvPr>
@@ -819,8 +838,10 @@
           <a:bodyPr/>
           <a:lstStyle/>
           <a:p>
-            <a:pPr/>
-            <a:fld id="{86CB4B4D-7CA3-9044-876B-883B54F8677D}" type="slidenum"/>
+            <a:fld id="{86CB4B4D-7CA3-9044-876B-883B54F8677D}" type="slidenum">
+              <a:t>‹#›</a:t>
+            </a:fld>
+            <a:endParaRPr/>
           </a:p>
         </p:txBody>
       </p:sp>
@@ -829,12 +850,12 @@
   <p:clrMapOvr>
     <a:masterClrMapping/>
   </p:clrMapOvr>
-  <p:transition xmlns:p14="http://schemas.microsoft.com/office/powerpoint/2010/main" spd="med" advClick="1"/>
+  <p:transition spd="med"/>
 </p:sldLayout>
 </file>
 
 <file path=ppt/slideLayouts/slideLayout2.xml><?xml version="1.0" encoding="utf-8"?>
-<p:sldLayout xmlns:a="http://schemas.openxmlformats.org/drawingml/2006/main" xmlns:r="http://schemas.openxmlformats.org/officeDocument/2006/relationships" xmlns:p="http://schemas.openxmlformats.org/presentationml/2006/main" xmlns:m="http://schemas.openxmlformats.org/officeDocument/2006/math" xmlns:a14="http://schemas.microsoft.com/office/drawing/2010/main" type="tx" showMasterSp="1" showMasterPhAnim="1">
+<p:sldLayout xmlns:a="http://schemas.openxmlformats.org/drawingml/2006/main" xmlns:r="http://schemas.openxmlformats.org/officeDocument/2006/relationships" xmlns:p="http://schemas.openxmlformats.org/presentationml/2006/main" type="tx">
   <p:cSld name="SECTION_HEADER">
     <p:spTree>
       <p:nvGrpSpPr>
@@ -853,7 +874,9 @@
       <p:sp>
         <p:nvSpPr>
           <p:cNvPr id="20" name="标题文本"/>
-          <p:cNvSpPr txBox="1"/>
+          <p:cNvSpPr txBox="1">
+            <a:spLocks noGrp="1"/>
+          </p:cNvSpPr>
           <p:nvPr>
             <p:ph type="title"/>
           </p:nvPr>
@@ -875,7 +898,6 @@
             </a:lvl1pPr>
           </a:lstStyle>
           <a:p>
-            <a:pPr/>
             <a:r>
               <a:t>标题文本</a:t>
             </a:r>
@@ -885,7 +907,9 @@
       <p:sp>
         <p:nvSpPr>
           <p:cNvPr id="21" name="幻灯片编号"/>
-          <p:cNvSpPr txBox="1"/>
+          <p:cNvSpPr txBox="1">
+            <a:spLocks noGrp="1"/>
+          </p:cNvSpPr>
           <p:nvPr>
             <p:ph type="sldNum" sz="quarter" idx="2"/>
           </p:nvPr>
@@ -899,8 +923,10 @@
           <a:bodyPr/>
           <a:lstStyle/>
           <a:p>
-            <a:pPr/>
-            <a:fld id="{86CB4B4D-7CA3-9044-876B-883B54F8677D}" type="slidenum"/>
+            <a:fld id="{86CB4B4D-7CA3-9044-876B-883B54F8677D}" type="slidenum">
+              <a:t>‹#›</a:t>
+            </a:fld>
+            <a:endParaRPr/>
           </a:p>
         </p:txBody>
       </p:sp>
@@ -909,12 +935,12 @@
   <p:clrMapOvr>
     <a:masterClrMapping/>
   </p:clrMapOvr>
-  <p:transition xmlns:p14="http://schemas.microsoft.com/office/powerpoint/2010/main" spd="med" advClick="1"/>
+  <p:transition spd="med"/>
 </p:sldLayout>
 </file>
 
 <file path=ppt/slideLayouts/slideLayout3.xml><?xml version="1.0" encoding="utf-8"?>
-<p:sldLayout xmlns:a="http://schemas.openxmlformats.org/drawingml/2006/main" xmlns:r="http://schemas.openxmlformats.org/officeDocument/2006/relationships" xmlns:p="http://schemas.openxmlformats.org/presentationml/2006/main" xmlns:m="http://schemas.openxmlformats.org/officeDocument/2006/math" xmlns:a14="http://schemas.microsoft.com/office/drawing/2010/main" type="tx" showMasterSp="1" showMasterPhAnim="1">
+<p:sldLayout xmlns:a="http://schemas.openxmlformats.org/drawingml/2006/main" xmlns:r="http://schemas.openxmlformats.org/officeDocument/2006/relationships" xmlns:p="http://schemas.openxmlformats.org/presentationml/2006/main" type="tx">
   <p:cSld name="TITLE_AND_BODY">
     <p:spTree>
       <p:nvGrpSpPr>
@@ -933,7 +959,9 @@
       <p:sp>
         <p:nvSpPr>
           <p:cNvPr id="28" name="标题文本"/>
-          <p:cNvSpPr txBox="1"/>
+          <p:cNvSpPr txBox="1">
+            <a:spLocks noGrp="1"/>
+          </p:cNvSpPr>
           <p:nvPr>
             <p:ph type="title"/>
           </p:nvPr>
@@ -947,7 +975,6 @@
           <a:bodyPr/>
           <a:lstStyle/>
           <a:p>
-            <a:pPr/>
             <a:r>
               <a:t>标题文本</a:t>
             </a:r>
@@ -957,7 +984,9 @@
       <p:sp>
         <p:nvSpPr>
           <p:cNvPr id="29" name="正文级别 1…"/>
-          <p:cNvSpPr txBox="1"/>
+          <p:cNvSpPr txBox="1">
+            <a:spLocks noGrp="1"/>
+          </p:cNvSpPr>
           <p:nvPr>
             <p:ph type="body" idx="1"/>
           </p:nvPr>
@@ -971,7 +1000,6 @@
           <a:bodyPr/>
           <a:lstStyle/>
           <a:p>
-            <a:pPr/>
             <a:r>
               <a:t>正文级别 1</a:t>
             </a:r>
@@ -1005,7 +1033,9 @@
       <p:sp>
         <p:nvSpPr>
           <p:cNvPr id="30" name="幻灯片编号"/>
-          <p:cNvSpPr txBox="1"/>
+          <p:cNvSpPr txBox="1">
+            <a:spLocks noGrp="1"/>
+          </p:cNvSpPr>
           <p:nvPr>
             <p:ph type="sldNum" sz="quarter" idx="2"/>
           </p:nvPr>
@@ -1019,8 +1049,10 @@
           <a:bodyPr/>
           <a:lstStyle/>
           <a:p>
-            <a:pPr/>
-            <a:fld id="{86CB4B4D-7CA3-9044-876B-883B54F8677D}" type="slidenum"/>
+            <a:fld id="{86CB4B4D-7CA3-9044-876B-883B54F8677D}" type="slidenum">
+              <a:t>‹#›</a:t>
+            </a:fld>
+            <a:endParaRPr/>
           </a:p>
         </p:txBody>
       </p:sp>
@@ -1029,12 +1061,12 @@
   <p:clrMapOvr>
     <a:masterClrMapping/>
   </p:clrMapOvr>
-  <p:transition xmlns:p14="http://schemas.microsoft.com/office/powerpoint/2010/main" spd="med" advClick="1"/>
+  <p:transition spd="med"/>
 </p:sldLayout>
 </file>
 
 <file path=ppt/slideLayouts/slideLayout4.xml><?xml version="1.0" encoding="utf-8"?>
-<p:sldLayout xmlns:a="http://schemas.openxmlformats.org/drawingml/2006/main" xmlns:r="http://schemas.openxmlformats.org/officeDocument/2006/relationships" xmlns:p="http://schemas.openxmlformats.org/presentationml/2006/main" xmlns:m="http://schemas.openxmlformats.org/officeDocument/2006/math" xmlns:a14="http://schemas.microsoft.com/office/drawing/2010/main" type="tx" showMasterSp="1" showMasterPhAnim="1">
+<p:sldLayout xmlns:a="http://schemas.openxmlformats.org/drawingml/2006/main" xmlns:r="http://schemas.openxmlformats.org/officeDocument/2006/relationships" xmlns:p="http://schemas.openxmlformats.org/presentationml/2006/main" type="tx">
   <p:cSld name="TITLE_AND_TWO_COLUMNS">
     <p:spTree>
       <p:nvGrpSpPr>
@@ -1053,7 +1085,9 @@
       <p:sp>
         <p:nvSpPr>
           <p:cNvPr id="37" name="标题文本"/>
-          <p:cNvSpPr txBox="1"/>
+          <p:cNvSpPr txBox="1">
+            <a:spLocks noGrp="1"/>
+          </p:cNvSpPr>
           <p:nvPr>
             <p:ph type="title"/>
           </p:nvPr>
@@ -1067,7 +1101,6 @@
           <a:bodyPr/>
           <a:lstStyle/>
           <a:p>
-            <a:pPr/>
             <a:r>
               <a:t>标题文本</a:t>
             </a:r>
@@ -1077,7 +1110,9 @@
       <p:sp>
         <p:nvSpPr>
           <p:cNvPr id="38" name="正文级别 1…"/>
-          <p:cNvSpPr txBox="1"/>
+          <p:cNvSpPr txBox="1">
+            <a:spLocks noGrp="1"/>
+          </p:cNvSpPr>
           <p:nvPr>
             <p:ph type="body" sz="half" idx="1"/>
           </p:nvPr>
@@ -1116,7 +1151,6 @@
             </a:lvl5pPr>
           </a:lstStyle>
           <a:p>
-            <a:pPr/>
             <a:r>
               <a:t>正文级别 1</a:t>
             </a:r>
@@ -1150,7 +1184,9 @@
       <p:sp>
         <p:nvSpPr>
           <p:cNvPr id="39" name="Google Shape;23;p5"/>
-          <p:cNvSpPr txBox="1"/>
+          <p:cNvSpPr txBox="1">
+            <a:spLocks noGrp="1"/>
+          </p:cNvSpPr>
           <p:nvPr>
             <p:ph type="body" sz="half" idx="21"/>
           </p:nvPr>
@@ -1172,13 +1208,16 @@
               <a:buSzPts val="1400"/>
               <a:defRPr sz="1400"/>
             </a:pPr>
+            <a:endParaRPr/>
           </a:p>
         </p:txBody>
       </p:sp>
       <p:sp>
         <p:nvSpPr>
           <p:cNvPr id="40" name="幻灯片编号"/>
-          <p:cNvSpPr txBox="1"/>
+          <p:cNvSpPr txBox="1">
+            <a:spLocks noGrp="1"/>
+          </p:cNvSpPr>
           <p:nvPr>
             <p:ph type="sldNum" sz="quarter" idx="2"/>
           </p:nvPr>
@@ -1192,8 +1231,10 @@
           <a:bodyPr/>
           <a:lstStyle/>
           <a:p>
-            <a:pPr/>
-            <a:fld id="{86CB4B4D-7CA3-9044-876B-883B54F8677D}" type="slidenum"/>
+            <a:fld id="{86CB4B4D-7CA3-9044-876B-883B54F8677D}" type="slidenum">
+              <a:t>‹#›</a:t>
+            </a:fld>
+            <a:endParaRPr/>
           </a:p>
         </p:txBody>
       </p:sp>
@@ -1202,12 +1243,12 @@
   <p:clrMapOvr>
     <a:masterClrMapping/>
   </p:clrMapOvr>
-  <p:transition xmlns:p14="http://schemas.microsoft.com/office/powerpoint/2010/main" spd="med" advClick="1"/>
+  <p:transition spd="med"/>
 </p:sldLayout>
 </file>
 
 <file path=ppt/slideLayouts/slideLayout5.xml><?xml version="1.0" encoding="utf-8"?>
-<p:sldLayout xmlns:a="http://schemas.openxmlformats.org/drawingml/2006/main" xmlns:r="http://schemas.openxmlformats.org/officeDocument/2006/relationships" xmlns:p="http://schemas.openxmlformats.org/presentationml/2006/main" xmlns:m="http://schemas.openxmlformats.org/officeDocument/2006/math" xmlns:a14="http://schemas.microsoft.com/office/drawing/2010/main" type="tx" showMasterSp="1" showMasterPhAnim="1">
+<p:sldLayout xmlns:a="http://schemas.openxmlformats.org/drawingml/2006/main" xmlns:r="http://schemas.openxmlformats.org/officeDocument/2006/relationships" xmlns:p="http://schemas.openxmlformats.org/presentationml/2006/main" type="tx">
   <p:cSld name="TITLE_ONLY">
     <p:spTree>
       <p:nvGrpSpPr>
@@ -1226,7 +1267,9 @@
       <p:sp>
         <p:nvSpPr>
           <p:cNvPr id="47" name="标题文本"/>
-          <p:cNvSpPr txBox="1"/>
+          <p:cNvSpPr txBox="1">
+            <a:spLocks noGrp="1"/>
+          </p:cNvSpPr>
           <p:nvPr>
             <p:ph type="title"/>
           </p:nvPr>
@@ -1240,7 +1283,6 @@
           <a:bodyPr/>
           <a:lstStyle/>
           <a:p>
-            <a:pPr/>
             <a:r>
               <a:t>标题文本</a:t>
             </a:r>
@@ -1250,7 +1292,9 @@
       <p:sp>
         <p:nvSpPr>
           <p:cNvPr id="48" name="幻灯片编号"/>
-          <p:cNvSpPr txBox="1"/>
+          <p:cNvSpPr txBox="1">
+            <a:spLocks noGrp="1"/>
+          </p:cNvSpPr>
           <p:nvPr>
             <p:ph type="sldNum" sz="quarter" idx="2"/>
           </p:nvPr>
@@ -1264,8 +1308,10 @@
           <a:bodyPr/>
           <a:lstStyle/>
           <a:p>
-            <a:pPr/>
-            <a:fld id="{86CB4B4D-7CA3-9044-876B-883B54F8677D}" type="slidenum"/>
+            <a:fld id="{86CB4B4D-7CA3-9044-876B-883B54F8677D}" type="slidenum">
+              <a:t>‹#›</a:t>
+            </a:fld>
+            <a:endParaRPr/>
           </a:p>
         </p:txBody>
       </p:sp>
@@ -1274,12 +1320,12 @@
   <p:clrMapOvr>
     <a:masterClrMapping/>
   </p:clrMapOvr>
-  <p:transition xmlns:p14="http://schemas.microsoft.com/office/powerpoint/2010/main" spd="med" advClick="1"/>
+  <p:transition spd="med"/>
 </p:sldLayout>
 </file>
 
 <file path=ppt/slideLayouts/slideLayout6.xml><?xml version="1.0" encoding="utf-8"?>
-<p:sldLayout xmlns:a="http://schemas.openxmlformats.org/drawingml/2006/main" xmlns:r="http://schemas.openxmlformats.org/officeDocument/2006/relationships" xmlns:p="http://schemas.openxmlformats.org/presentationml/2006/main" xmlns:m="http://schemas.openxmlformats.org/officeDocument/2006/math" xmlns:a14="http://schemas.microsoft.com/office/drawing/2010/main" type="tx" showMasterSp="1" showMasterPhAnim="1">
+<p:sldLayout xmlns:a="http://schemas.openxmlformats.org/drawingml/2006/main" xmlns:r="http://schemas.openxmlformats.org/officeDocument/2006/relationships" xmlns:p="http://schemas.openxmlformats.org/presentationml/2006/main" type="tx">
   <p:cSld name="ONE_COLUMN_TEXT">
     <p:spTree>
       <p:nvGrpSpPr>
@@ -1298,7 +1344,9 @@
       <p:sp>
         <p:nvSpPr>
           <p:cNvPr id="55" name="标题文本"/>
-          <p:cNvSpPr txBox="1"/>
+          <p:cNvSpPr txBox="1">
+            <a:spLocks noGrp="1"/>
+          </p:cNvSpPr>
           <p:nvPr>
             <p:ph type="title"/>
           </p:nvPr>
@@ -1320,7 +1368,6 @@
             </a:lvl1pPr>
           </a:lstStyle>
           <a:p>
-            <a:pPr/>
             <a:r>
               <a:t>标题文本</a:t>
             </a:r>
@@ -1330,7 +1377,9 @@
       <p:sp>
         <p:nvSpPr>
           <p:cNvPr id="56" name="正文级别 1…"/>
-          <p:cNvSpPr txBox="1"/>
+          <p:cNvSpPr txBox="1">
+            <a:spLocks noGrp="1"/>
+          </p:cNvSpPr>
           <p:nvPr>
             <p:ph type="body" sz="quarter" idx="1"/>
           </p:nvPr>
@@ -1369,7 +1418,6 @@
             </a:lvl5pPr>
           </a:lstStyle>
           <a:p>
-            <a:pPr/>
             <a:r>
               <a:t>正文级别 1</a:t>
             </a:r>
@@ -1403,7 +1451,9 @@
       <p:sp>
         <p:nvSpPr>
           <p:cNvPr id="57" name="幻灯片编号"/>
-          <p:cNvSpPr txBox="1"/>
+          <p:cNvSpPr txBox="1">
+            <a:spLocks noGrp="1"/>
+          </p:cNvSpPr>
           <p:nvPr>
             <p:ph type="sldNum" sz="quarter" idx="2"/>
           </p:nvPr>
@@ -1417,8 +1467,10 @@
           <a:bodyPr/>
           <a:lstStyle/>
           <a:p>
-            <a:pPr/>
-            <a:fld id="{86CB4B4D-7CA3-9044-876B-883B54F8677D}" type="slidenum"/>
+            <a:fld id="{86CB4B4D-7CA3-9044-876B-883B54F8677D}" type="slidenum">
+              <a:t>‹#›</a:t>
+            </a:fld>
+            <a:endParaRPr/>
           </a:p>
         </p:txBody>
       </p:sp>
@@ -1427,12 +1479,12 @@
   <p:clrMapOvr>
     <a:masterClrMapping/>
   </p:clrMapOvr>
-  <p:transition xmlns:p14="http://schemas.microsoft.com/office/powerpoint/2010/main" spd="med" advClick="1"/>
+  <p:transition spd="med"/>
 </p:sldLayout>
 </file>
 
 <file path=ppt/slideLayouts/slideLayout7.xml><?xml version="1.0" encoding="utf-8"?>
-<p:sldLayout xmlns:a="http://schemas.openxmlformats.org/drawingml/2006/main" xmlns:r="http://schemas.openxmlformats.org/officeDocument/2006/relationships" xmlns:p="http://schemas.openxmlformats.org/presentationml/2006/main" xmlns:m="http://schemas.openxmlformats.org/officeDocument/2006/math" xmlns:a14="http://schemas.microsoft.com/office/drawing/2010/main" type="tx" showMasterSp="1" showMasterPhAnim="1">
+<p:sldLayout xmlns:a="http://schemas.openxmlformats.org/drawingml/2006/main" xmlns:r="http://schemas.openxmlformats.org/officeDocument/2006/relationships" xmlns:p="http://schemas.openxmlformats.org/presentationml/2006/main" type="tx">
   <p:cSld name="MAIN_POINT">
     <p:spTree>
       <p:nvGrpSpPr>
@@ -1451,7 +1503,9 @@
       <p:sp>
         <p:nvSpPr>
           <p:cNvPr id="64" name="标题文本"/>
-          <p:cNvSpPr txBox="1"/>
+          <p:cNvSpPr txBox="1">
+            <a:spLocks noGrp="1"/>
+          </p:cNvSpPr>
           <p:nvPr>
             <p:ph type="title"/>
           </p:nvPr>
@@ -1473,7 +1527,6 @@
             </a:lvl1pPr>
           </a:lstStyle>
           <a:p>
-            <a:pPr/>
             <a:r>
               <a:t>标题文本</a:t>
             </a:r>
@@ -1483,7 +1536,9 @@
       <p:sp>
         <p:nvSpPr>
           <p:cNvPr id="65" name="幻灯片编号"/>
-          <p:cNvSpPr txBox="1"/>
+          <p:cNvSpPr txBox="1">
+            <a:spLocks noGrp="1"/>
+          </p:cNvSpPr>
           <p:nvPr>
             <p:ph type="sldNum" sz="quarter" idx="2"/>
           </p:nvPr>
@@ -1497,8 +1552,10 @@
           <a:bodyPr/>
           <a:lstStyle/>
           <a:p>
-            <a:pPr/>
-            <a:fld id="{86CB4B4D-7CA3-9044-876B-883B54F8677D}" type="slidenum"/>
+            <a:fld id="{86CB4B4D-7CA3-9044-876B-883B54F8677D}" type="slidenum">
+              <a:t>‹#›</a:t>
+            </a:fld>
+            <a:endParaRPr/>
           </a:p>
         </p:txBody>
       </p:sp>
@@ -1507,12 +1564,12 @@
   <p:clrMapOvr>
     <a:masterClrMapping/>
   </p:clrMapOvr>
-  <p:transition xmlns:p14="http://schemas.microsoft.com/office/powerpoint/2010/main" spd="med" advClick="1"/>
+  <p:transition spd="med"/>
 </p:sldLayout>
 </file>
 
 <file path=ppt/slideLayouts/slideLayout8.xml><?xml version="1.0" encoding="utf-8"?>
-<p:sldLayout xmlns:a="http://schemas.openxmlformats.org/drawingml/2006/main" xmlns:r="http://schemas.openxmlformats.org/officeDocument/2006/relationships" xmlns:p="http://schemas.openxmlformats.org/presentationml/2006/main" xmlns:m="http://schemas.openxmlformats.org/officeDocument/2006/math" xmlns:a14="http://schemas.microsoft.com/office/drawing/2010/main" type="tx" showMasterSp="1" showMasterPhAnim="1">
+<p:sldLayout xmlns:a="http://schemas.openxmlformats.org/drawingml/2006/main" xmlns:r="http://schemas.openxmlformats.org/officeDocument/2006/relationships" xmlns:p="http://schemas.openxmlformats.org/presentationml/2006/main" type="tx">
   <p:cSld name="SECTION_TITLE_AND_DESCRIPTION">
     <p:spTree>
       <p:nvGrpSpPr>
@@ -1553,14 +1610,16 @@
           <a:bodyPr lIns="0" tIns="0" rIns="0" bIns="0" anchor="ctr"/>
           <a:lstStyle/>
           <a:p>
-            <a:pPr/>
+            <a:endParaRPr/>
           </a:p>
         </p:txBody>
       </p:sp>
       <p:sp>
         <p:nvSpPr>
           <p:cNvPr id="73" name="标题文本"/>
-          <p:cNvSpPr txBox="1"/>
+          <p:cNvSpPr txBox="1">
+            <a:spLocks noGrp="1"/>
+          </p:cNvSpPr>
           <p:nvPr>
             <p:ph type="title"/>
           </p:nvPr>
@@ -1582,7 +1641,6 @@
             </a:lvl1pPr>
           </a:lstStyle>
           <a:p>
-            <a:pPr/>
             <a:r>
               <a:t>标题文本</a:t>
             </a:r>
@@ -1592,7 +1650,9 @@
       <p:sp>
         <p:nvSpPr>
           <p:cNvPr id="74" name="正文级别 1…"/>
-          <p:cNvSpPr txBox="1"/>
+          <p:cNvSpPr txBox="1">
+            <a:spLocks noGrp="1"/>
+          </p:cNvSpPr>
           <p:nvPr>
             <p:ph type="body" sz="quarter" idx="1"/>
           </p:nvPr>
@@ -1661,7 +1721,6 @@
             </a:lvl5pPr>
           </a:lstStyle>
           <a:p>
-            <a:pPr/>
             <a:r>
               <a:t>正文级别 1</a:t>
             </a:r>
@@ -1695,7 +1754,9 @@
       <p:sp>
         <p:nvSpPr>
           <p:cNvPr id="75" name="Google Shape;39;p9"/>
-          <p:cNvSpPr txBox="1"/>
+          <p:cNvSpPr txBox="1">
+            <a:spLocks noGrp="1"/>
+          </p:cNvSpPr>
           <p:nvPr>
             <p:ph type="body" sz="half" idx="21"/>
           </p:nvPr>
@@ -1713,14 +1774,16 @@
           <a:bodyPr anchor="ctr"/>
           <a:lstStyle/>
           <a:p>
-            <a:pPr/>
+            <a:endParaRPr/>
           </a:p>
         </p:txBody>
       </p:sp>
       <p:sp>
         <p:nvSpPr>
           <p:cNvPr id="76" name="幻灯片编号"/>
-          <p:cNvSpPr txBox="1"/>
+          <p:cNvSpPr txBox="1">
+            <a:spLocks noGrp="1"/>
+          </p:cNvSpPr>
           <p:nvPr>
             <p:ph type="sldNum" sz="quarter" idx="2"/>
           </p:nvPr>
@@ -1734,8 +1797,10 @@
           <a:bodyPr/>
           <a:lstStyle/>
           <a:p>
-            <a:pPr/>
-            <a:fld id="{86CB4B4D-7CA3-9044-876B-883B54F8677D}" type="slidenum"/>
+            <a:fld id="{86CB4B4D-7CA3-9044-876B-883B54F8677D}" type="slidenum">
+              <a:t>‹#›</a:t>
+            </a:fld>
+            <a:endParaRPr/>
           </a:p>
         </p:txBody>
       </p:sp>
@@ -1744,12 +1809,12 @@
   <p:clrMapOvr>
     <a:masterClrMapping/>
   </p:clrMapOvr>
-  <p:transition xmlns:p14="http://schemas.microsoft.com/office/powerpoint/2010/main" spd="med" advClick="1"/>
+  <p:transition spd="med"/>
 </p:sldLayout>
 </file>
 
 <file path=ppt/slideLayouts/slideLayout9.xml><?xml version="1.0" encoding="utf-8"?>
-<p:sldLayout xmlns:a="http://schemas.openxmlformats.org/drawingml/2006/main" xmlns:r="http://schemas.openxmlformats.org/officeDocument/2006/relationships" xmlns:p="http://schemas.openxmlformats.org/presentationml/2006/main" xmlns:m="http://schemas.openxmlformats.org/officeDocument/2006/math" xmlns:a14="http://schemas.microsoft.com/office/drawing/2010/main" type="tx" showMasterSp="1" showMasterPhAnim="1">
+<p:sldLayout xmlns:a="http://schemas.openxmlformats.org/drawingml/2006/main" xmlns:r="http://schemas.openxmlformats.org/officeDocument/2006/relationships" xmlns:p="http://schemas.openxmlformats.org/presentationml/2006/main" type="tx">
   <p:cSld name="CAPTION_ONLY">
     <p:spTree>
       <p:nvGrpSpPr>
@@ -1768,7 +1833,9 @@
       <p:sp>
         <p:nvSpPr>
           <p:cNvPr id="83" name="正文级别 1…"/>
-          <p:cNvSpPr txBox="1"/>
+          <p:cNvSpPr txBox="1">
+            <a:spLocks noGrp="1"/>
+          </p:cNvSpPr>
           <p:nvPr>
             <p:ph type="body" sz="quarter" idx="1"/>
           </p:nvPr>
@@ -1824,7 +1891,6 @@
             </a:lvl5pPr>
           </a:lstStyle>
           <a:p>
-            <a:pPr/>
             <a:r>
               <a:t>正文级别 1</a:t>
             </a:r>
@@ -1858,7 +1924,9 @@
       <p:sp>
         <p:nvSpPr>
           <p:cNvPr id="84" name="幻灯片编号"/>
-          <p:cNvSpPr txBox="1"/>
+          <p:cNvSpPr txBox="1">
+            <a:spLocks noGrp="1"/>
+          </p:cNvSpPr>
           <p:nvPr>
             <p:ph type="sldNum" sz="quarter" idx="2"/>
           </p:nvPr>
@@ -1872,8 +1940,10 @@
           <a:bodyPr/>
           <a:lstStyle/>
           <a:p>
-            <a:pPr/>
-            <a:fld id="{86CB4B4D-7CA3-9044-876B-883B54F8677D}" type="slidenum"/>
+            <a:fld id="{86CB4B4D-7CA3-9044-876B-883B54F8677D}" type="slidenum">
+              <a:t>‹#›</a:t>
+            </a:fld>
+            <a:endParaRPr/>
           </a:p>
         </p:txBody>
       </p:sp>
@@ -1882,18 +1952,19 @@
   <p:clrMapOvr>
     <a:masterClrMapping/>
   </p:clrMapOvr>
-  <p:transition xmlns:p14="http://schemas.microsoft.com/office/powerpoint/2010/main" spd="med" advClick="1"/>
+  <p:transition spd="med"/>
 </p:sldLayout>
 </file>
 
 <file path=ppt/slideMasters/slideMaster1.xml><?xml version="1.0" encoding="utf-8"?>
-<p:sldMaster xmlns:a="http://schemas.openxmlformats.org/drawingml/2006/main" xmlns:r="http://schemas.openxmlformats.org/officeDocument/2006/relationships" xmlns:p="http://schemas.openxmlformats.org/presentationml/2006/main" xmlns:m="http://schemas.openxmlformats.org/officeDocument/2006/math" xmlns:a14="http://schemas.microsoft.com/office/drawing/2010/main">
+<p:sldMaster xmlns:a="http://schemas.openxmlformats.org/drawingml/2006/main" xmlns:r="http://schemas.openxmlformats.org/officeDocument/2006/relationships" xmlns:p="http://schemas.openxmlformats.org/presentationml/2006/main">
   <p:cSld>
     <p:bg>
       <p:bgPr>
         <a:solidFill>
           <a:srgbClr val="FFFFFF"/>
         </a:solidFill>
+        <a:effectLst/>
       </p:bgPr>
     </p:bg>
     <p:spTree>
@@ -1913,7 +1984,9 @@
       <p:sp>
         <p:nvSpPr>
           <p:cNvPr id="2" name="标题文本"/>
-          <p:cNvSpPr txBox="1"/>
+          <p:cNvSpPr txBox="1">
+            <a:spLocks noGrp="1"/>
+          </p:cNvSpPr>
           <p:nvPr>
             <p:ph type="title"/>
           </p:nvPr>
@@ -1931,17 +2004,16 @@
           </a:ln>
           <a:extLst>
             <a:ext uri="{C572A759-6A51-4108-AA02-DFA0A04FC94B}">
-              <ma14:wrappingTextBoxFlag xmlns:ma14="http://schemas.microsoft.com/office/mac/drawingml/2011/main" val="1"/>
+              <ma14:wrappingTextBoxFlag xmlns:ma14="http://schemas.microsoft.com/office/mac/drawingml/2011/main" xmlns:a14="http://schemas.microsoft.com/office/drawing/2010/main" xmlns:m="http://schemas.openxmlformats.org/officeDocument/2006/math" xmlns="" val="1"/>
             </a:ext>
           </a:extLst>
         </p:spPr>
         <p:txBody>
           <a:bodyPr lIns="91424" tIns="91424" rIns="91424" bIns="91424">
-            <a:normAutofit fontScale="100000" lnSpcReduction="0"/>
+            <a:normAutofit/>
           </a:bodyPr>
           <a:lstStyle/>
           <a:p>
-            <a:pPr/>
             <a:r>
               <a:t>标题文本</a:t>
             </a:r>
@@ -1951,7 +2023,9 @@
       <p:sp>
         <p:nvSpPr>
           <p:cNvPr id="3" name="正文级别 1…"/>
-          <p:cNvSpPr txBox="1"/>
+          <p:cNvSpPr txBox="1">
+            <a:spLocks noGrp="1"/>
+          </p:cNvSpPr>
           <p:nvPr>
             <p:ph type="body" idx="1"/>
           </p:nvPr>
@@ -1969,17 +2043,16 @@
           </a:ln>
           <a:extLst>
             <a:ext uri="{C572A759-6A51-4108-AA02-DFA0A04FC94B}">
-              <ma14:wrappingTextBoxFlag xmlns:ma14="http://schemas.microsoft.com/office/mac/drawingml/2011/main" val="1"/>
+              <ma14:wrappingTextBoxFlag xmlns:ma14="http://schemas.microsoft.com/office/mac/drawingml/2011/main" xmlns:a14="http://schemas.microsoft.com/office/drawing/2010/main" xmlns:m="http://schemas.openxmlformats.org/officeDocument/2006/math" xmlns="" val="1"/>
             </a:ext>
           </a:extLst>
         </p:spPr>
         <p:txBody>
           <a:bodyPr lIns="91424" tIns="91424" rIns="91424" bIns="91424">
-            <a:normAutofit fontScale="100000" lnSpcReduction="0"/>
+            <a:normAutofit/>
           </a:bodyPr>
           <a:lstStyle/>
           <a:p>
-            <a:pPr/>
             <a:r>
               <a:t>正文级别 1</a:t>
             </a:r>
@@ -2013,7 +2086,9 @@
       <p:sp>
         <p:nvSpPr>
           <p:cNvPr id="4" name="幻灯片编号"/>
-          <p:cNvSpPr txBox="1"/>
+          <p:cNvSpPr txBox="1">
+            <a:spLocks noGrp="1"/>
+          </p:cNvSpPr>
           <p:nvPr>
             <p:ph type="sldNum" sz="quarter" idx="2"/>
           </p:nvPr>
@@ -2032,7 +2107,7 @@
         </p:spPr>
         <p:txBody>
           <a:bodyPr wrap="none" lIns="91424" tIns="91424" rIns="91424" bIns="91424" anchor="ctr">
-            <a:normAutofit fontScale="100000" lnSpcReduction="0"/>
+            <a:normAutofit/>
           </a:bodyPr>
           <a:lstStyle>
             <a:lvl1pPr algn="r">
@@ -2046,8 +2121,10 @@
             </a:lvl1pPr>
           </a:lstStyle>
           <a:p>
-            <a:pPr/>
-            <a:fld id="{86CB4B4D-7CA3-9044-876B-883B54F8677D}" type="slidenum"/>
+            <a:fld id="{86CB4B4D-7CA3-9044-876B-883B54F8677D}" type="slidenum">
+              <a:t>‹#›</a:t>
+            </a:fld>
+            <a:endParaRPr/>
           </a:p>
         </p:txBody>
       </p:sp>
@@ -2055,19 +2132,19 @@
   </p:cSld>
   <p:clrMap bg1="lt1" tx1="dk1" bg2="lt2" tx2="dk2" accent1="accent1" accent2="accent2" accent3="accent3" accent4="accent4" accent5="accent5" accent6="accent6" hlink="hlink" folHlink="folHlink"/>
   <p:sldLayoutIdLst>
-    <p:sldLayoutId id="2147483649" r:id="rId2"/>
-    <p:sldLayoutId id="2147483650" r:id="rId3"/>
-    <p:sldLayoutId id="2147483651" r:id="rId4"/>
-    <p:sldLayoutId id="2147483652" r:id="rId5"/>
-    <p:sldLayoutId id="2147483653" r:id="rId6"/>
-    <p:sldLayoutId id="2147483654" r:id="rId7"/>
-    <p:sldLayoutId id="2147483655" r:id="rId8"/>
-    <p:sldLayoutId id="2147483656" r:id="rId9"/>
-    <p:sldLayoutId id="2147483657" r:id="rId10"/>
-    <p:sldLayoutId id="2147483658" r:id="rId11"/>
-    <p:sldLayoutId id="2147483659" r:id="rId12"/>
+    <p:sldLayoutId id="2147483649" r:id="rId1"/>
+    <p:sldLayoutId id="2147483650" r:id="rId2"/>
+    <p:sldLayoutId id="2147483651" r:id="rId3"/>
+    <p:sldLayoutId id="2147483652" r:id="rId4"/>
+    <p:sldLayoutId id="2147483653" r:id="rId5"/>
+    <p:sldLayoutId id="2147483654" r:id="rId6"/>
+    <p:sldLayoutId id="2147483655" r:id="rId7"/>
+    <p:sldLayoutId id="2147483656" r:id="rId8"/>
+    <p:sldLayoutId id="2147483657" r:id="rId9"/>
+    <p:sldLayoutId id="2147483658" r:id="rId10"/>
+    <p:sldLayoutId id="2147483659" r:id="rId11"/>
   </p:sldLayoutIdLst>
-  <p:transition xmlns:p14="http://schemas.microsoft.com/office/powerpoint/2010/main" spd="med" advClick="1"/>
+  <p:transition spd="med"/>
   <p:txStyles>
     <p:titleStyle>
       <a:lvl1pPr marL="0" marR="0" indent="0" algn="l" defTabSz="914400" rtl="0" latinLnBrk="0">
@@ -2085,7 +2162,7 @@
         <a:buFontTx/>
         <a:buNone/>
         <a:tabLst/>
-        <a:defRPr b="0" baseline="0" cap="none" i="0" spc="0" strike="noStrike" sz="2800" u="none">
+        <a:defRPr sz="2800" b="0" i="0" u="none" strike="noStrike" cap="none" spc="0" baseline="0">
           <a:solidFill>
             <a:srgbClr val="000000"/>
           </a:solidFill>
@@ -2111,7 +2188,7 @@
         <a:buFontTx/>
         <a:buNone/>
         <a:tabLst/>
-        <a:defRPr b="0" baseline="0" cap="none" i="0" spc="0" strike="noStrike" sz="2800" u="none">
+        <a:defRPr sz="2800" b="0" i="0" u="none" strike="noStrike" cap="none" spc="0" baseline="0">
           <a:solidFill>
             <a:srgbClr val="000000"/>
           </a:solidFill>
@@ -2137,7 +2214,7 @@
         <a:buFontTx/>
         <a:buNone/>
         <a:tabLst/>
-        <a:defRPr b="0" baseline="0" cap="none" i="0" spc="0" strike="noStrike" sz="2800" u="none">
+        <a:defRPr sz="2800" b="0" i="0" u="none" strike="noStrike" cap="none" spc="0" baseline="0">
           <a:solidFill>
             <a:srgbClr val="000000"/>
           </a:solidFill>
@@ -2163,7 +2240,7 @@
         <a:buFontTx/>
         <a:buNone/>
         <a:tabLst/>
-        <a:defRPr b="0" baseline="0" cap="none" i="0" spc="0" strike="noStrike" sz="2800" u="none">
+        <a:defRPr sz="2800" b="0" i="0" u="none" strike="noStrike" cap="none" spc="0" baseline="0">
           <a:solidFill>
             <a:srgbClr val="000000"/>
           </a:solidFill>
@@ -2189,7 +2266,7 @@
         <a:buFontTx/>
         <a:buNone/>
         <a:tabLst/>
-        <a:defRPr b="0" baseline="0" cap="none" i="0" spc="0" strike="noStrike" sz="2800" u="none">
+        <a:defRPr sz="2800" b="0" i="0" u="none" strike="noStrike" cap="none" spc="0" baseline="0">
           <a:solidFill>
             <a:srgbClr val="000000"/>
           </a:solidFill>
@@ -2215,7 +2292,7 @@
         <a:buFontTx/>
         <a:buNone/>
         <a:tabLst/>
-        <a:defRPr b="0" baseline="0" cap="none" i="0" spc="0" strike="noStrike" sz="2800" u="none">
+        <a:defRPr sz="2800" b="0" i="0" u="none" strike="noStrike" cap="none" spc="0" baseline="0">
           <a:solidFill>
             <a:srgbClr val="000000"/>
           </a:solidFill>
@@ -2241,7 +2318,7 @@
         <a:buFontTx/>
         <a:buNone/>
         <a:tabLst/>
-        <a:defRPr b="0" baseline="0" cap="none" i="0" spc="0" strike="noStrike" sz="2800" u="none">
+        <a:defRPr sz="2800" b="0" i="0" u="none" strike="noStrike" cap="none" spc="0" baseline="0">
           <a:solidFill>
             <a:srgbClr val="000000"/>
           </a:solidFill>
@@ -2267,7 +2344,7 @@
         <a:buFontTx/>
         <a:buNone/>
         <a:tabLst/>
-        <a:defRPr b="0" baseline="0" cap="none" i="0" spc="0" strike="noStrike" sz="2800" u="none">
+        <a:defRPr sz="2800" b="0" i="0" u="none" strike="noStrike" cap="none" spc="0" baseline="0">
           <a:solidFill>
             <a:srgbClr val="000000"/>
           </a:solidFill>
@@ -2293,7 +2370,7 @@
         <a:buFontTx/>
         <a:buNone/>
         <a:tabLst/>
-        <a:defRPr b="0" baseline="0" cap="none" i="0" spc="0" strike="noStrike" sz="2800" u="none">
+        <a:defRPr sz="2800" b="0" i="0" u="none" strike="noStrike" cap="none" spc="0" baseline="0">
           <a:solidFill>
             <a:srgbClr val="000000"/>
           </a:solidFill>
@@ -2325,7 +2402,7 @@
         <a:buFont typeface="Arial"/>
         <a:buChar char="●"/>
         <a:tabLst/>
-        <a:defRPr b="0" baseline="0" cap="none" i="0" spc="0" strike="noStrike" sz="1800" u="none">
+        <a:defRPr sz="1800" b="0" i="0" u="none" strike="noStrike" cap="none" spc="0" baseline="0">
           <a:solidFill>
             <a:schemeClr val="accent2">
               <a:lumOff val="21764"/>
@@ -2357,7 +2434,7 @@
         <a:buFont typeface="Arial"/>
         <a:buChar char="○"/>
         <a:tabLst/>
-        <a:defRPr b="0" baseline="0" cap="none" i="0" spc="0" strike="noStrike" sz="1800" u="none">
+        <a:defRPr sz="1800" b="0" i="0" u="none" strike="noStrike" cap="none" spc="0" baseline="0">
           <a:solidFill>
             <a:schemeClr val="accent2">
               <a:lumOff val="21764"/>
@@ -2389,7 +2466,7 @@
         <a:buFont typeface="Arial"/>
         <a:buChar char="■"/>
         <a:tabLst/>
-        <a:defRPr b="0" baseline="0" cap="none" i="0" spc="0" strike="noStrike" sz="1800" u="none">
+        <a:defRPr sz="1800" b="0" i="0" u="none" strike="noStrike" cap="none" spc="0" baseline="0">
           <a:solidFill>
             <a:schemeClr val="accent2">
               <a:lumOff val="21764"/>
@@ -2421,7 +2498,7 @@
         <a:buFont typeface="Arial"/>
         <a:buChar char="●"/>
         <a:tabLst/>
-        <a:defRPr b="0" baseline="0" cap="none" i="0" spc="0" strike="noStrike" sz="1800" u="none">
+        <a:defRPr sz="1800" b="0" i="0" u="none" strike="noStrike" cap="none" spc="0" baseline="0">
           <a:solidFill>
             <a:schemeClr val="accent2">
               <a:lumOff val="21764"/>
@@ -2453,7 +2530,7 @@
         <a:buFont typeface="Arial"/>
         <a:buChar char="○"/>
         <a:tabLst/>
-        <a:defRPr b="0" baseline="0" cap="none" i="0" spc="0" strike="noStrike" sz="1800" u="none">
+        <a:defRPr sz="1800" b="0" i="0" u="none" strike="noStrike" cap="none" spc="0" baseline="0">
           <a:solidFill>
             <a:schemeClr val="accent2">
               <a:lumOff val="21764"/>
@@ -2485,7 +2562,7 @@
         <a:buFont typeface="Arial"/>
         <a:buChar char="■"/>
         <a:tabLst/>
-        <a:defRPr b="0" baseline="0" cap="none" i="0" spc="0" strike="noStrike" sz="1800" u="none">
+        <a:defRPr sz="1800" b="0" i="0" u="none" strike="noStrike" cap="none" spc="0" baseline="0">
           <a:solidFill>
             <a:schemeClr val="accent2">
               <a:lumOff val="21764"/>
@@ -2517,7 +2594,7 @@
         <a:buFont typeface="Arial"/>
         <a:buChar char="●"/>
         <a:tabLst/>
-        <a:defRPr b="0" baseline="0" cap="none" i="0" spc="0" strike="noStrike" sz="1800" u="none">
+        <a:defRPr sz="1800" b="0" i="0" u="none" strike="noStrike" cap="none" spc="0" baseline="0">
           <a:solidFill>
             <a:schemeClr val="accent2">
               <a:lumOff val="21764"/>
@@ -2549,7 +2626,7 @@
         <a:buFont typeface="Arial"/>
         <a:buChar char="○"/>
         <a:tabLst/>
-        <a:defRPr b="0" baseline="0" cap="none" i="0" spc="0" strike="noStrike" sz="1800" u="none">
+        <a:defRPr sz="1800" b="0" i="0" u="none" strike="noStrike" cap="none" spc="0" baseline="0">
           <a:solidFill>
             <a:schemeClr val="accent2">
               <a:lumOff val="21764"/>
@@ -2581,7 +2658,7 @@
         <a:buFont typeface="Arial"/>
         <a:buChar char="■"/>
         <a:tabLst/>
-        <a:defRPr b="0" baseline="0" cap="none" i="0" spc="0" strike="noStrike" sz="1800" u="none">
+        <a:defRPr sz="1800" b="0" i="0" u="none" strike="noStrike" cap="none" spc="0" baseline="0">
           <a:solidFill>
             <a:schemeClr val="accent2">
               <a:lumOff val="21764"/>
@@ -2611,7 +2688,7 @@
         <a:buFontTx/>
         <a:buNone/>
         <a:tabLst/>
-        <a:defRPr b="0" baseline="0" cap="none" i="0" spc="0" strike="noStrike" sz="1000" u="none">
+        <a:defRPr sz="1000" b="0" i="0" u="none" strike="noStrike" cap="none" spc="0" baseline="0">
           <a:solidFill>
             <a:schemeClr val="tx1"/>
           </a:solidFill>
@@ -2637,7 +2714,7 @@
         <a:buFontTx/>
         <a:buNone/>
         <a:tabLst/>
-        <a:defRPr b="0" baseline="0" cap="none" i="0" spc="0" strike="noStrike" sz="1000" u="none">
+        <a:defRPr sz="1000" b="0" i="0" u="none" strike="noStrike" cap="none" spc="0" baseline="0">
           <a:solidFill>
             <a:schemeClr val="tx1"/>
           </a:solidFill>
@@ -2663,7 +2740,7 @@
         <a:buFontTx/>
         <a:buNone/>
         <a:tabLst/>
-        <a:defRPr b="0" baseline="0" cap="none" i="0" spc="0" strike="noStrike" sz="1000" u="none">
+        <a:defRPr sz="1000" b="0" i="0" u="none" strike="noStrike" cap="none" spc="0" baseline="0">
           <a:solidFill>
             <a:schemeClr val="tx1"/>
           </a:solidFill>
@@ -2689,7 +2766,7 @@
         <a:buFontTx/>
         <a:buNone/>
         <a:tabLst/>
-        <a:defRPr b="0" baseline="0" cap="none" i="0" spc="0" strike="noStrike" sz="1000" u="none">
+        <a:defRPr sz="1000" b="0" i="0" u="none" strike="noStrike" cap="none" spc="0" baseline="0">
           <a:solidFill>
             <a:schemeClr val="tx1"/>
           </a:solidFill>
@@ -2715,7 +2792,7 @@
         <a:buFontTx/>
         <a:buNone/>
         <a:tabLst/>
-        <a:defRPr b="0" baseline="0" cap="none" i="0" spc="0" strike="noStrike" sz="1000" u="none">
+        <a:defRPr sz="1000" b="0" i="0" u="none" strike="noStrike" cap="none" spc="0" baseline="0">
           <a:solidFill>
             <a:schemeClr val="tx1"/>
           </a:solidFill>
@@ -2741,7 +2818,7 @@
         <a:buFontTx/>
         <a:buNone/>
         <a:tabLst/>
-        <a:defRPr b="0" baseline="0" cap="none" i="0" spc="0" strike="noStrike" sz="1000" u="none">
+        <a:defRPr sz="1000" b="0" i="0" u="none" strike="noStrike" cap="none" spc="0" baseline="0">
           <a:solidFill>
             <a:schemeClr val="tx1"/>
           </a:solidFill>
@@ -2767,7 +2844,7 @@
         <a:buFontTx/>
         <a:buNone/>
         <a:tabLst/>
-        <a:defRPr b="0" baseline="0" cap="none" i="0" spc="0" strike="noStrike" sz="1000" u="none">
+        <a:defRPr sz="1000" b="0" i="0" u="none" strike="noStrike" cap="none" spc="0" baseline="0">
           <a:solidFill>
             <a:schemeClr val="tx1"/>
           </a:solidFill>
@@ -2793,7 +2870,7 @@
         <a:buFontTx/>
         <a:buNone/>
         <a:tabLst/>
-        <a:defRPr b="0" baseline="0" cap="none" i="0" spc="0" strike="noStrike" sz="1000" u="none">
+        <a:defRPr sz="1000" b="0" i="0" u="none" strike="noStrike" cap="none" spc="0" baseline="0">
           <a:solidFill>
             <a:schemeClr val="tx1"/>
           </a:solidFill>
@@ -2819,7 +2896,7 @@
         <a:buFontTx/>
         <a:buNone/>
         <a:tabLst/>
-        <a:defRPr b="0" baseline="0" cap="none" i="0" spc="0" strike="noStrike" sz="1000" u="none">
+        <a:defRPr sz="1000" b="0" i="0" u="none" strike="noStrike" cap="none" spc="0" baseline="0">
           <a:solidFill>
             <a:schemeClr val="tx1"/>
           </a:solidFill>
@@ -2836,7 +2913,7 @@
 </file>
 
 <file path=ppt/slides/slide1.xml><?xml version="1.0" encoding="utf-8"?>
-<p:sld xmlns:a="http://schemas.openxmlformats.org/drawingml/2006/main" xmlns:r="http://schemas.openxmlformats.org/officeDocument/2006/relationships" xmlns:p="http://schemas.openxmlformats.org/presentationml/2006/main" xmlns:m="http://schemas.openxmlformats.org/officeDocument/2006/math" xmlns:a14="http://schemas.microsoft.com/office/drawing/2010/main" showMasterSp="1" showMasterPhAnim="1">
+<p:sld xmlns:a="http://schemas.openxmlformats.org/drawingml/2006/main" xmlns:r="http://schemas.openxmlformats.org/officeDocument/2006/relationships" xmlns:p="http://schemas.openxmlformats.org/presentationml/2006/main">
   <p:cSld>
     <p:spTree>
       <p:nvGrpSpPr>
@@ -2880,6 +2957,7 @@
             <a:pPr>
               <a:defRPr sz="1000"/>
             </a:pPr>
+            <a:endParaRPr/>
           </a:p>
         </p:txBody>
       </p:sp>
@@ -2902,7 +2980,7 @@
           </a:ln>
           <a:extLst>
             <a:ext uri="{C572A759-6A51-4108-AA02-DFA0A04FC94B}">
-              <ma14:wrappingTextBoxFlag xmlns:ma14="http://schemas.microsoft.com/office/mac/drawingml/2011/main" val="1"/>
+              <ma14:wrappingTextBoxFlag xmlns:ma14="http://schemas.microsoft.com/office/mac/drawingml/2011/main" xmlns:a14="http://schemas.microsoft.com/office/drawing/2010/main" xmlns:m="http://schemas.openxmlformats.org/officeDocument/2006/math" xmlns="" val="1"/>
             </a:ext>
           </a:extLst>
         </p:spPr>
@@ -2913,7 +2991,7 @@
           <a:lstStyle/>
           <a:p>
             <a:pPr algn="ctr">
-              <a:defRPr b="1" sz="1800">
+              <a:defRPr sz="1800" b="1">
                 <a:solidFill>
                   <a:srgbClr val="FFFFFF"/>
                 </a:solidFill>
@@ -2925,7 +3003,7 @@
           </a:p>
           <a:p>
             <a:pPr algn="ctr">
-              <a:defRPr b="1" sz="1200">
+              <a:defRPr sz="1200" b="1">
                 <a:solidFill>
                   <a:srgbClr val="FFFFFF"/>
                 </a:solidFill>
@@ -2964,7 +3042,7 @@
           <a:bodyPr lIns="0" tIns="0" rIns="0" bIns="0"/>
           <a:lstStyle/>
           <a:p>
-            <a:pPr/>
+            <a:endParaRPr/>
           </a:p>
         </p:txBody>
       </p:sp>
@@ -3031,6 +3109,7 @@
                 <a:pPr>
                   <a:defRPr sz="1200"/>
                 </a:pPr>
+                <a:endParaRPr/>
               </a:p>
             </p:txBody>
           </p:sp>
@@ -3056,7 +3135,7 @@
               <a:effectLst/>
               <a:extLst>
                 <a:ext uri="{C572A759-6A51-4108-AA02-DFA0A04FC94B}">
-                  <ma14:wrappingTextBoxFlag xmlns:ma14="http://schemas.microsoft.com/office/mac/drawingml/2011/main" val="1"/>
+                  <ma14:wrappingTextBoxFlag xmlns:ma14="http://schemas.microsoft.com/office/mac/drawingml/2011/main" xmlns:a14="http://schemas.microsoft.com/office/drawing/2010/main" xmlns:m="http://schemas.openxmlformats.org/officeDocument/2006/math" xmlns="" val="1"/>
                 </a:ext>
               </a:extLst>
             </p:spPr>
@@ -3070,9 +3149,12 @@
                 </a:lvl1pPr>
               </a:lstStyle>
               <a:p>
-                <a:pPr/>
                 <a:r>
-                  <a:t>Near-Earth Objects (NEOs) are celestial bodies that have orbits bringing them close to Earth. The primary objective of this project is to analyze NEO data and build machine learning classifiers to predict whether an asteroid is hazardous based on its physical and orbital characteristics like the estimated size, velocity, distance, and magnitude of asteroids.</a:t>
+                  <a:rPr dirty="0"/>
+                  <a:t>Near-Earth Objects (NEOs) are celestial bodies that have orbits bringing them close to Earth. </a:t>
+                </a:r>
+                <a:r>
+                  <a:t>The primary objective of this project is to analyze NEO data and build machine learning classifiers to predict whether an asteroid is hazardous based on its physical and orbital characteristics like the estimated size, velocity, distance, and magnitude of asteroids.</a:t>
                 </a:r>
               </a:p>
             </p:txBody>
@@ -3133,6 +3215,7 @@
                     </a:solidFill>
                   </a:defRPr>
                 </a:pPr>
+                <a:endParaRPr/>
               </a:p>
             </p:txBody>
           </p:sp>
@@ -3158,7 +3241,7 @@
               <a:effectLst/>
               <a:extLst>
                 <a:ext uri="{C572A759-6A51-4108-AA02-DFA0A04FC94B}">
-                  <ma14:wrappingTextBoxFlag xmlns:ma14="http://schemas.microsoft.com/office/mac/drawingml/2011/main" val="1"/>
+                  <ma14:wrappingTextBoxFlag xmlns:ma14="http://schemas.microsoft.com/office/mac/drawingml/2011/main" xmlns:a14="http://schemas.microsoft.com/office/drawing/2010/main" xmlns:m="http://schemas.openxmlformats.org/officeDocument/2006/math" xmlns="" val="1"/>
                 </a:ext>
               </a:extLst>
             </p:spPr>
@@ -3176,7 +3259,6 @@
                 </a:lvl1pPr>
               </a:lstStyle>
               <a:p>
-                <a:pPr/>
                 <a:r>
                   <a:t>Introduction</a:t>
                 </a:r>
@@ -3194,9 +3276,9 @@
         <p:grpSpPr>
           <a:xfrm>
             <a:off x="116300" y="2339850"/>
-            <a:ext cx="2525100" cy="2713201"/>
+            <a:ext cx="2525102" cy="2713203"/>
             <a:chOff x="0" y="0"/>
-            <a:chExt cx="2525099" cy="2713200"/>
+            <a:chExt cx="2525101" cy="2713202"/>
           </a:xfrm>
         </p:grpSpPr>
         <p:grpSp>
@@ -3208,9 +3290,9 @@
           <p:grpSpPr>
             <a:xfrm>
               <a:off x="0" y="359700"/>
-              <a:ext cx="2525100" cy="2353501"/>
+              <a:ext cx="2525101" cy="2353502"/>
               <a:chOff x="0" y="0"/>
-              <a:chExt cx="2525099" cy="2353499"/>
+              <a:chExt cx="2525100" cy="2353500"/>
             </a:xfrm>
           </p:grpSpPr>
           <p:sp>
@@ -3248,6 +3330,7 @@
                 <a:pPr>
                   <a:defRPr sz="1200"/>
                 </a:pPr>
+                <a:endParaRPr/>
               </a:p>
             </p:txBody>
           </p:sp>
@@ -3260,7 +3343,7 @@
             <p:spPr>
               <a:xfrm>
                 <a:off x="19050" y="19050"/>
-                <a:ext cx="2487000" cy="1195111"/>
+                <a:ext cx="2487000" cy="600131"/>
               </a:xfrm>
               <a:prstGeom prst="rect">
                 <a:avLst/>
@@ -3273,7 +3356,7 @@
               <a:effectLst/>
               <a:extLst>
                 <a:ext uri="{C572A759-6A51-4108-AA02-DFA0A04FC94B}">
-                  <ma14:wrappingTextBoxFlag xmlns:ma14="http://schemas.microsoft.com/office/mac/drawingml/2011/main" val="1"/>
+                  <ma14:wrappingTextBoxFlag xmlns:ma14="http://schemas.microsoft.com/office/mac/drawingml/2011/main" xmlns:a14="http://schemas.microsoft.com/office/drawing/2010/main" xmlns:m="http://schemas.openxmlformats.org/officeDocument/2006/math" xmlns="" val="1"/>
                 </a:ext>
               </a:extLst>
             </p:spPr>
@@ -3287,10 +3370,31 @@
                 </a:lvl1pPr>
               </a:lstStyle>
               <a:p>
-                <a:pPr/>
                 <a:r>
-                  <a:t>The dataset contains 10,000 instances with five key features: estimated minimum diameter, maximum diameter, relative velocity, miss distance, and absolute magnitude. The target label, 'hazardous,' is evenly distributed between the two classes, with 5,000 hazardous and 5,000 non-hazardous instances.</a:t>
+                  <a:rPr dirty="0"/>
+                  <a:t>The dataset contains 10,000 instances with five key features</a:t>
                 </a:r>
+                <a:r>
+                  <a:rPr lang="en-US" dirty="0"/>
+                  <a:t>,</a:t>
+                </a:r>
+                <a:r>
+                  <a:rPr lang="zh-CN" altLang="en-US" dirty="0"/>
+                  <a:t> </a:t>
+                </a:r>
+                <a:r>
+                  <a:rPr lang="en-US" altLang="zh-CN" dirty="0"/>
+                  <a:t>and we choose</a:t>
+                </a:r>
+                <a:r>
+                  <a:rPr dirty="0"/>
+                  <a:t> 'hazardous’</a:t>
+                </a:r>
+                <a:r>
+                  <a:rPr lang="en-US" dirty="0"/>
+                  <a:t> as the target label.</a:t>
+                </a:r>
+                <a:endParaRPr dirty="0"/>
               </a:p>
             </p:txBody>
           </p:sp>
@@ -3350,6 +3454,7 @@
                     </a:solidFill>
                   </a:defRPr>
                 </a:pPr>
+                <a:endParaRPr/>
               </a:p>
             </p:txBody>
           </p:sp>
@@ -3375,7 +3480,7 @@
               <a:effectLst/>
               <a:extLst>
                 <a:ext uri="{C572A759-6A51-4108-AA02-DFA0A04FC94B}">
-                  <ma14:wrappingTextBoxFlag xmlns:ma14="http://schemas.microsoft.com/office/mac/drawingml/2011/main" val="1"/>
+                  <ma14:wrappingTextBoxFlag xmlns:ma14="http://schemas.microsoft.com/office/mac/drawingml/2011/main" xmlns:a14="http://schemas.microsoft.com/office/drawing/2010/main" xmlns:m="http://schemas.openxmlformats.org/officeDocument/2006/math" xmlns="" val="1"/>
                 </a:ext>
               </a:extLst>
             </p:spPr>
@@ -3393,7 +3498,6 @@
                 </a:lvl1pPr>
               </a:lstStyle>
               <a:p>
-                <a:pPr/>
                 <a:r>
                   <a:t>EDA</a:t>
                 </a:r>
@@ -3465,6 +3569,7 @@
                 <a:pPr>
                   <a:defRPr sz="1200"/>
                 </a:pPr>
+                <a:endParaRPr/>
               </a:p>
             </p:txBody>
           </p:sp>
@@ -3490,7 +3595,7 @@
               <a:effectLst/>
               <a:extLst>
                 <a:ext uri="{C572A759-6A51-4108-AA02-DFA0A04FC94B}">
-                  <ma14:wrappingTextBoxFlag xmlns:ma14="http://schemas.microsoft.com/office/mac/drawingml/2011/main" val="1"/>
+                  <ma14:wrappingTextBoxFlag xmlns:ma14="http://schemas.microsoft.com/office/mac/drawingml/2011/main" xmlns:a14="http://schemas.microsoft.com/office/drawing/2010/main" xmlns:m="http://schemas.openxmlformats.org/officeDocument/2006/math" xmlns="" val="1"/>
                 </a:ext>
               </a:extLst>
             </p:spPr>
@@ -3511,6 +3616,7 @@
                 <a:pPr>
                   <a:defRPr sz="700"/>
                 </a:pPr>
+                <a:endParaRPr/>
               </a:p>
               <a:p>
                 <a:pPr>
@@ -3524,6 +3630,7 @@
                 <a:pPr>
                   <a:defRPr sz="700"/>
                 </a:pPr>
+                <a:endParaRPr/>
               </a:p>
               <a:p>
                 <a:pPr>
@@ -3599,6 +3706,7 @@
                     </a:solidFill>
                   </a:defRPr>
                 </a:pPr>
+                <a:endParaRPr/>
               </a:p>
             </p:txBody>
           </p:sp>
@@ -3624,7 +3732,7 @@
               <a:effectLst/>
               <a:extLst>
                 <a:ext uri="{C572A759-6A51-4108-AA02-DFA0A04FC94B}">
-                  <ma14:wrappingTextBoxFlag xmlns:ma14="http://schemas.microsoft.com/office/mac/drawingml/2011/main" val="1"/>
+                  <ma14:wrappingTextBoxFlag xmlns:ma14="http://schemas.microsoft.com/office/mac/drawingml/2011/main" xmlns:a14="http://schemas.microsoft.com/office/drawing/2010/main" xmlns:m="http://schemas.openxmlformats.org/officeDocument/2006/math" xmlns="" val="1"/>
                 </a:ext>
               </a:extLst>
             </p:spPr>
@@ -3642,7 +3750,6 @@
                 </a:lvl1pPr>
               </a:lstStyle>
               <a:p>
-                <a:pPr/>
                 <a:r>
                   <a:t>Conclusion</a:t>
                 </a:r>
@@ -3714,6 +3821,7 @@
                 <a:pPr>
                   <a:defRPr sz="1200"/>
                 </a:pPr>
+                <a:endParaRPr/>
               </a:p>
             </p:txBody>
           </p:sp>
@@ -3739,7 +3847,7 @@
               <a:effectLst/>
               <a:extLst>
                 <a:ext uri="{C572A759-6A51-4108-AA02-DFA0A04FC94B}">
-                  <ma14:wrappingTextBoxFlag xmlns:ma14="http://schemas.microsoft.com/office/mac/drawingml/2011/main" val="1"/>
+                  <ma14:wrappingTextBoxFlag xmlns:ma14="http://schemas.microsoft.com/office/mac/drawingml/2011/main" xmlns:a14="http://schemas.microsoft.com/office/drawing/2010/main" xmlns:m="http://schemas.openxmlformats.org/officeDocument/2006/math" xmlns="" val="1"/>
                 </a:ext>
               </a:extLst>
             </p:spPr>
@@ -3753,7 +3861,6 @@
                 </a:lvl1pPr>
               </a:lstStyle>
               <a:p>
-                <a:pPr/>
                 <a:r>
                   <a:t>Text &amp; screenshots here</a:t>
                 </a:r>
@@ -3816,6 +3923,7 @@
                     </a:solidFill>
                   </a:defRPr>
                 </a:pPr>
+                <a:endParaRPr/>
               </a:p>
             </p:txBody>
           </p:sp>
@@ -3841,7 +3949,7 @@
               <a:effectLst/>
               <a:extLst>
                 <a:ext uri="{C572A759-6A51-4108-AA02-DFA0A04FC94B}">
-                  <ma14:wrappingTextBoxFlag xmlns:ma14="http://schemas.microsoft.com/office/mac/drawingml/2011/main" val="1"/>
+                  <ma14:wrappingTextBoxFlag xmlns:ma14="http://schemas.microsoft.com/office/mac/drawingml/2011/main" xmlns:a14="http://schemas.microsoft.com/office/drawing/2010/main" xmlns:m="http://schemas.openxmlformats.org/officeDocument/2006/math" xmlns="" val="1"/>
                 </a:ext>
               </a:extLst>
             </p:spPr>
@@ -3859,7 +3967,6 @@
                 </a:lvl1pPr>
               </a:lstStyle>
               <a:p>
-                <a:pPr/>
                 <a:r>
                   <a:t>Web App</a:t>
                 </a:r>
@@ -3931,6 +4038,7 @@
                 <a:pPr>
                   <a:defRPr sz="1200"/>
                 </a:pPr>
+                <a:endParaRPr/>
               </a:p>
             </p:txBody>
           </p:sp>
@@ -3956,7 +4064,7 @@
               <a:effectLst/>
               <a:extLst>
                 <a:ext uri="{C572A759-6A51-4108-AA02-DFA0A04FC94B}">
-                  <ma14:wrappingTextBoxFlag xmlns:ma14="http://schemas.microsoft.com/office/mac/drawingml/2011/main" val="1"/>
+                  <ma14:wrappingTextBoxFlag xmlns:ma14="http://schemas.microsoft.com/office/mac/drawingml/2011/main" xmlns:a14="http://schemas.microsoft.com/office/drawing/2010/main" xmlns:m="http://schemas.openxmlformats.org/officeDocument/2006/math" xmlns="" val="1"/>
                 </a:ext>
               </a:extLst>
             </p:spPr>
@@ -4036,6 +4144,7 @@
                     </a:solidFill>
                   </a:defRPr>
                 </a:pPr>
+                <a:endParaRPr/>
               </a:p>
             </p:txBody>
           </p:sp>
@@ -4061,7 +4170,7 @@
               <a:effectLst/>
               <a:extLst>
                 <a:ext uri="{C572A759-6A51-4108-AA02-DFA0A04FC94B}">
-                  <ma14:wrappingTextBoxFlag xmlns:ma14="http://schemas.microsoft.com/office/mac/drawingml/2011/main" val="1"/>
+                  <ma14:wrappingTextBoxFlag xmlns:ma14="http://schemas.microsoft.com/office/mac/drawingml/2011/main" xmlns:a14="http://schemas.microsoft.com/office/drawing/2010/main" xmlns:m="http://schemas.openxmlformats.org/officeDocument/2006/math" xmlns="" val="1"/>
                 </a:ext>
               </a:extLst>
             </p:spPr>
@@ -4079,7 +4188,6 @@
                 </a:lvl1pPr>
               </a:lstStyle>
               <a:p>
-                <a:pPr/>
                 <a:r>
                   <a:t>Classification Results</a:t>
                 </a:r>
@@ -4135,8 +4243,9 @@
             <a:lstStyle/>
             <a:p>
               <a:pPr>
-                <a:defRPr b="1" sz="800"/>
+                <a:defRPr sz="800" b="1"/>
               </a:pPr>
+              <a:endParaRPr/>
             </a:p>
           </p:txBody>
         </p:sp>
@@ -4162,7 +4271,7 @@
             <a:effectLst/>
             <a:extLst>
               <a:ext uri="{C572A759-6A51-4108-AA02-DFA0A04FC94B}">
-                <ma14:wrappingTextBoxFlag xmlns:ma14="http://schemas.microsoft.com/office/mac/drawingml/2011/main" val="1"/>
+                <ma14:wrappingTextBoxFlag xmlns:ma14="http://schemas.microsoft.com/office/mac/drawingml/2011/main" xmlns:a14="http://schemas.microsoft.com/office/drawing/2010/main" xmlns:m="http://schemas.openxmlformats.org/officeDocument/2006/math" xmlns="" val="1"/>
               </a:ext>
             </a:extLst>
           </p:spPr>
@@ -4173,7 +4282,7 @@
             <a:lstStyle/>
             <a:p>
               <a:pPr>
-                <a:defRPr b="1" sz="600"/>
+                <a:defRPr sz="600" b="1"/>
               </a:pPr>
               <a:r>
                 <a:t>NASA Open API</a:t>
@@ -4181,7 +4290,7 @@
             </a:p>
             <a:p>
               <a:pPr>
-                <a:defRPr b="1" sz="600"/>
+                <a:defRPr sz="600" b="1"/>
               </a:pPr>
               <a:r>
                 <a:t>NEO Earth Close Approaches</a:t>
@@ -4189,7 +4298,7 @@
             </a:p>
             <a:p>
               <a:pPr>
-                <a:defRPr b="1" sz="600"/>
+                <a:defRPr sz="600" b="1"/>
               </a:pPr>
               <a:r>
                 <a:t>--From Kaggle https://www.google.com/url?q=https%3A%2F%2Fwww.kaggle.com%2Fdatasets%2Fsameepvani%2Fnasa-nearest-earth-objects</a:t>
@@ -4207,10 +4316,8 @@
           <p:nvPr/>
         </p:nvPicPr>
         <p:blipFill>
-          <a:blip r:embed="rId2">
-            <a:extLst/>
-          </a:blip>
-          <a:srcRect l="0" t="63693" r="0" b="0"/>
+          <a:blip r:embed="rId2"/>
+          <a:srcRect t="63693"/>
           <a:stretch>
             <a:fillRect/>
           </a:stretch>
@@ -4247,7 +4354,7 @@
           </a:ln>
           <a:extLst>
             <a:ext uri="{C572A759-6A51-4108-AA02-DFA0A04FC94B}">
-              <ma14:wrappingTextBoxFlag xmlns:ma14="http://schemas.microsoft.com/office/mac/drawingml/2011/main" val="1"/>
+              <ma14:wrappingTextBoxFlag xmlns:ma14="http://schemas.microsoft.com/office/mac/drawingml/2011/main" xmlns:a14="http://schemas.microsoft.com/office/drawing/2010/main" xmlns:m="http://schemas.openxmlformats.org/officeDocument/2006/math" xmlns="" val="1"/>
             </a:ext>
           </a:extLst>
         </p:spPr>
@@ -4258,7 +4365,7 @@
           <a:lstStyle/>
           <a:p>
             <a:pPr>
-              <a:defRPr b="1" sz="1200">
+              <a:defRPr sz="1200" b="1">
                 <a:solidFill>
                   <a:srgbClr val="FFFFFF"/>
                 </a:solidFill>
@@ -4270,7 +4377,7 @@
           </a:p>
           <a:p>
             <a:pPr>
-              <a:defRPr b="1" sz="1200">
+              <a:defRPr sz="1200" b="1">
                 <a:solidFill>
                   <a:srgbClr val="FFFFFF"/>
                 </a:solidFill>
@@ -4291,17 +4398,15 @@
           <p:nvPr/>
         </p:nvPicPr>
         <p:blipFill>
-          <a:blip r:embed="rId3">
-            <a:extLst/>
-          </a:blip>
+          <a:blip r:embed="rId3"/>
           <a:stretch>
             <a:fillRect/>
           </a:stretch>
         </p:blipFill>
         <p:spPr>
           <a:xfrm>
-            <a:off x="510865" y="3864499"/>
-            <a:ext cx="1735970" cy="1154027"/>
+            <a:off x="135345" y="3297171"/>
+            <a:ext cx="1079674" cy="717739"/>
           </a:xfrm>
           <a:prstGeom prst="rect">
             <a:avLst/>
@@ -4320,9 +4425,7 @@
           <p:nvPr/>
         </p:nvPicPr>
         <p:blipFill>
-          <a:blip r:embed="rId4">
-            <a:extLst/>
-          </a:blip>
+          <a:blip r:embed="rId4"/>
           <a:stretch>
             <a:fillRect/>
           </a:stretch>
@@ -4349,9 +4452,7 @@
           <p:nvPr/>
         </p:nvPicPr>
         <p:blipFill>
-          <a:blip r:embed="rId5">
-            <a:extLst/>
-          </a:blip>
+          <a:blip r:embed="rId5"/>
           <a:stretch>
             <a:fillRect/>
           </a:stretch>
@@ -4378,9 +4479,7 @@
           <p:nvPr/>
         </p:nvPicPr>
         <p:blipFill>
-          <a:blip r:embed="rId6">
-            <a:extLst/>
-          </a:blip>
+          <a:blip r:embed="rId6"/>
           <a:stretch>
             <a:fillRect/>
           </a:stretch>
@@ -4407,9 +4506,7 @@
           <p:nvPr/>
         </p:nvPicPr>
         <p:blipFill>
-          <a:blip r:embed="rId7">
-            <a:extLst/>
-          </a:blip>
+          <a:blip r:embed="rId7"/>
           <a:stretch>
             <a:fillRect/>
           </a:stretch>
@@ -4436,9 +4533,7 @@
           <p:nvPr/>
         </p:nvPicPr>
         <p:blipFill>
-          <a:blip r:embed="rId8">
-            <a:extLst/>
-          </a:blip>
+          <a:blip r:embed="rId8"/>
           <a:stretch>
             <a:fillRect/>
           </a:stretch>
@@ -4465,10 +4560,8 @@
           <p:nvPr/>
         </p:nvPicPr>
         <p:blipFill>
-          <a:blip r:embed="rId9">
-            <a:extLst/>
-          </a:blip>
-          <a:srcRect l="0" t="33663" r="0" b="33663"/>
+          <a:blip r:embed="rId9"/>
+          <a:srcRect t="33663" b="33663"/>
           <a:stretch>
             <a:fillRect/>
           </a:stretch>
@@ -4486,17 +4579,77 @@
           </a:ln>
         </p:spPr>
       </p:pic>
+      <p:pic>
+        <p:nvPicPr>
+          <p:cNvPr id="3" name="图片 2">
+            <a:extLst>
+              <a:ext uri="{FF2B5EF4-FFF2-40B4-BE49-F238E27FC236}">
+                <a16:creationId xmlns:a16="http://schemas.microsoft.com/office/drawing/2014/main" id="{E6A44A9A-C9C1-B13F-1252-2ADC897F3DDD}"/>
+              </a:ext>
+            </a:extLst>
+          </p:cNvPr>
+          <p:cNvPicPr>
+            <a:picLocks noChangeAspect="1"/>
+          </p:cNvPicPr>
+          <p:nvPr/>
+        </p:nvPicPr>
+        <p:blipFill>
+          <a:blip r:embed="rId10"/>
+          <a:stretch>
+            <a:fillRect/>
+          </a:stretch>
+        </p:blipFill>
+        <p:spPr>
+          <a:xfrm>
+            <a:off x="185337" y="4121680"/>
+            <a:ext cx="1389321" cy="824602"/>
+          </a:xfrm>
+          <a:prstGeom prst="rect">
+            <a:avLst/>
+          </a:prstGeom>
+        </p:spPr>
+      </p:pic>
+      <p:pic>
+        <p:nvPicPr>
+          <p:cNvPr id="5" name="图片 4">
+            <a:extLst>
+              <a:ext uri="{FF2B5EF4-FFF2-40B4-BE49-F238E27FC236}">
+                <a16:creationId xmlns:a16="http://schemas.microsoft.com/office/drawing/2014/main" id="{93888620-2FAE-D06F-1765-9F62693A50CB}"/>
+              </a:ext>
+            </a:extLst>
+          </p:cNvPr>
+          <p:cNvPicPr>
+            <a:picLocks noChangeAspect="1"/>
+          </p:cNvPicPr>
+          <p:nvPr/>
+        </p:nvPicPr>
+        <p:blipFill>
+          <a:blip r:embed="rId11"/>
+          <a:stretch>
+            <a:fillRect/>
+          </a:stretch>
+        </p:blipFill>
+        <p:spPr>
+          <a:xfrm>
+            <a:off x="1215019" y="3303197"/>
+            <a:ext cx="1383397" cy="849902"/>
+          </a:xfrm>
+          <a:prstGeom prst="rect">
+            <a:avLst/>
+          </a:prstGeom>
+        </p:spPr>
+      </p:pic>
     </p:spTree>
   </p:cSld>
   <p:clrMapOvr>
     <a:masterClrMapping/>
   </p:clrMapOvr>
-  <p:transition xmlns:p14="http://schemas.microsoft.com/office/powerpoint/2010/main" spd="med" advClick="1"/>
+  <p:transition spd="med"/>
 </p:sld>
 </file>
 
 <file path=ppt/theme/theme1.xml><?xml version="1.0" encoding="utf-8"?>
-<a:theme xmlns:a="http://schemas.openxmlformats.org/drawingml/2006/main" xmlns:r="http://schemas.openxmlformats.org/officeDocument/2006/relationships" name="Simple Light">
+<a:theme xmlns:a="http://schemas.openxmlformats.org/drawingml/2006/main" name="Simple Light">
   <a:themeElements>
     <a:clrScheme name="Simple Light">
       <a:dk1>
@@ -4628,7 +4781,7 @@
         </a:effectStyle>
         <a:effectStyle>
           <a:effectLst>
-            <a:outerShdw sx="100000" sy="100000" kx="0" ky="0" algn="b" rotWithShape="0" blurRad="38100" dist="20000" dir="5400000">
+            <a:outerShdw blurRad="38100" dist="20000" dir="5400000" rotWithShape="0">
               <a:srgbClr val="000000">
                 <a:alpha val="38000"/>
               </a:srgbClr>
@@ -4704,7 +4857,7 @@
         <a:effectLst/>
         <a:sp3d/>
       </a:spPr>
-      <a:bodyPr rot="0" spcFirstLastPara="1" vertOverflow="overflow" horzOverflow="overflow" vert="horz" wrap="square" lIns="0" tIns="0" rIns="0" bIns="0" numCol="1" spcCol="38100" rtlCol="0" anchor="t" upright="0">
+      <a:bodyPr rot="0" spcFirstLastPara="1" vertOverflow="overflow" horzOverflow="overflow" vert="horz" wrap="square" lIns="0" tIns="0" rIns="0" bIns="0" numCol="1" spcCol="38100" rtlCol="0" anchor="t">
         <a:spAutoFit/>
       </a:bodyPr>
       <a:lstStyle>
@@ -4723,7 +4876,7 @@
           <a:buFontTx/>
           <a:buNone/>
           <a:tabLst/>
-          <a:defRPr b="0" baseline="0" cap="none" i="0" spc="0" strike="noStrike" sz="1400" u="none" kumimoji="0" normalizeH="0">
+          <a:defRPr kumimoji="0" sz="1400" b="0" i="0" u="none" strike="noStrike" cap="none" spc="0" normalizeH="0" baseline="0">
             <a:ln>
               <a:noFill/>
             </a:ln>
@@ -4753,7 +4906,7 @@
           <a:buFontTx/>
           <a:buNone/>
           <a:tabLst/>
-          <a:defRPr b="0" baseline="0" cap="none" i="0" spc="0" strike="noStrike" sz="1800" u="none" kumimoji="0" normalizeH="0">
+          <a:defRPr kumimoji="0" sz="1800" b="0" i="0" u="none" strike="noStrike" cap="none" spc="0" normalizeH="0" baseline="0">
             <a:ln>
               <a:noFill/>
             </a:ln>
@@ -4779,7 +4932,7 @@
           <a:buFontTx/>
           <a:buNone/>
           <a:tabLst/>
-          <a:defRPr b="0" baseline="0" cap="none" i="0" spc="0" strike="noStrike" sz="1800" u="none" kumimoji="0" normalizeH="0">
+          <a:defRPr kumimoji="0" sz="1800" b="0" i="0" u="none" strike="noStrike" cap="none" spc="0" normalizeH="0" baseline="0">
             <a:ln>
               <a:noFill/>
             </a:ln>
@@ -4805,7 +4958,7 @@
           <a:buFontTx/>
           <a:buNone/>
           <a:tabLst/>
-          <a:defRPr b="0" baseline="0" cap="none" i="0" spc="0" strike="noStrike" sz="1800" u="none" kumimoji="0" normalizeH="0">
+          <a:defRPr kumimoji="0" sz="1800" b="0" i="0" u="none" strike="noStrike" cap="none" spc="0" normalizeH="0" baseline="0">
             <a:ln>
               <a:noFill/>
             </a:ln>
@@ -4831,7 +4984,7 @@
           <a:buFontTx/>
           <a:buNone/>
           <a:tabLst/>
-          <a:defRPr b="0" baseline="0" cap="none" i="0" spc="0" strike="noStrike" sz="1800" u="none" kumimoji="0" normalizeH="0">
+          <a:defRPr kumimoji="0" sz="1800" b="0" i="0" u="none" strike="noStrike" cap="none" spc="0" normalizeH="0" baseline="0">
             <a:ln>
               <a:noFill/>
             </a:ln>
@@ -4857,7 +5010,7 @@
           <a:buFontTx/>
           <a:buNone/>
           <a:tabLst/>
-          <a:defRPr b="0" baseline="0" cap="none" i="0" spc="0" strike="noStrike" sz="1800" u="none" kumimoji="0" normalizeH="0">
+          <a:defRPr kumimoji="0" sz="1800" b="0" i="0" u="none" strike="noStrike" cap="none" spc="0" normalizeH="0" baseline="0">
             <a:ln>
               <a:noFill/>
             </a:ln>
@@ -4883,7 +5036,7 @@
           <a:buFontTx/>
           <a:buNone/>
           <a:tabLst/>
-          <a:defRPr b="0" baseline="0" cap="none" i="0" spc="0" strike="noStrike" sz="1800" u="none" kumimoji="0" normalizeH="0">
+          <a:defRPr kumimoji="0" sz="1800" b="0" i="0" u="none" strike="noStrike" cap="none" spc="0" normalizeH="0" baseline="0">
             <a:ln>
               <a:noFill/>
             </a:ln>
@@ -4909,7 +5062,7 @@
           <a:buFontTx/>
           <a:buNone/>
           <a:tabLst/>
-          <a:defRPr b="0" baseline="0" cap="none" i="0" spc="0" strike="noStrike" sz="1800" u="none" kumimoji="0" normalizeH="0">
+          <a:defRPr kumimoji="0" sz="1800" b="0" i="0" u="none" strike="noStrike" cap="none" spc="0" normalizeH="0" baseline="0">
             <a:ln>
               <a:noFill/>
             </a:ln>
@@ -4935,7 +5088,7 @@
           <a:buFontTx/>
           <a:buNone/>
           <a:tabLst/>
-          <a:defRPr b="0" baseline="0" cap="none" i="0" spc="0" strike="noStrike" sz="1800" u="none" kumimoji="0" normalizeH="0">
+          <a:defRPr kumimoji="0" sz="1800" b="0" i="0" u="none" strike="noStrike" cap="none" spc="0" normalizeH="0" baseline="0">
             <a:ln>
               <a:noFill/>
             </a:ln>
@@ -4961,7 +5114,7 @@
           <a:buFontTx/>
           <a:buNone/>
           <a:tabLst/>
-          <a:defRPr b="0" baseline="0" cap="none" i="0" spc="0" strike="noStrike" sz="1800" u="none" kumimoji="0" normalizeH="0">
+          <a:defRPr kumimoji="0" sz="1800" b="0" i="0" u="none" strike="noStrike" cap="none" spc="0" normalizeH="0" baseline="0">
             <a:ln>
               <a:noFill/>
             </a:ln>
@@ -4974,9 +5127,15 @@
         </a:lvl9pPr>
       </a:lstStyle>
       <a:style>
-        <a:lnRef idx="0"/>
-        <a:fillRef idx="0"/>
-        <a:effectRef idx="0"/>
+        <a:lnRef idx="0">
+          <a:scrgbClr r="0" g="0" b="0"/>
+        </a:lnRef>
+        <a:fillRef idx="0">
+          <a:scrgbClr r="0" g="0" b="0"/>
+        </a:fillRef>
+        <a:effectRef idx="0">
+          <a:scrgbClr r="0" g="0" b="0"/>
+        </a:effectRef>
         <a:fontRef idx="none"/>
       </a:style>
     </a:spDef>
@@ -4991,7 +5150,7 @@
           <a:round/>
         </a:ln>
         <a:effectLst>
-          <a:outerShdw sx="100000" sy="100000" kx="0" ky="0" algn="b" rotWithShape="0" blurRad="38100" dist="20000" dir="5400000">
+          <a:outerShdw blurRad="38100" dist="20000" dir="5400000" rotWithShape="0">
             <a:srgbClr val="000000">
               <a:alpha val="38000"/>
             </a:srgbClr>
@@ -4999,7 +5158,7 @@
         </a:effectLst>
         <a:sp3d/>
       </a:spPr>
-      <a:bodyPr rot="0" spcFirstLastPara="1" vertOverflow="overflow" horzOverflow="overflow" vert="horz" wrap="square" lIns="91439" tIns="45719" rIns="91439" bIns="45719" numCol="1" spcCol="38100" rtlCol="0" anchor="t" upright="0">
+      <a:bodyPr rot="0" spcFirstLastPara="1" vertOverflow="overflow" horzOverflow="overflow" vert="horz" wrap="square" lIns="91439" tIns="45719" rIns="91439" bIns="45719" numCol="1" spcCol="38100" rtlCol="0" anchor="t">
         <a:noAutofit/>
       </a:bodyPr>
       <a:lstStyle>
@@ -5018,7 +5177,7 @@
           <a:buFontTx/>
           <a:buNone/>
           <a:tabLst/>
-          <a:defRPr b="0" baseline="0" cap="none" i="0" spc="0" strike="noStrike" sz="1800" u="none" kumimoji="0" normalizeH="0">
+          <a:defRPr kumimoji="0" sz="1800" b="0" i="0" u="none" strike="noStrike" cap="none" spc="0" normalizeH="0" baseline="0">
             <a:ln>
               <a:noFill/>
             </a:ln>
@@ -5044,7 +5203,7 @@
           <a:buFontTx/>
           <a:buNone/>
           <a:tabLst/>
-          <a:defRPr b="0" baseline="0" cap="none" i="0" spc="0" strike="noStrike" sz="1800" u="none" kumimoji="0" normalizeH="0">
+          <a:defRPr kumimoji="0" sz="1800" b="0" i="0" u="none" strike="noStrike" cap="none" spc="0" normalizeH="0" baseline="0">
             <a:ln>
               <a:noFill/>
             </a:ln>
@@ -5070,7 +5229,7 @@
           <a:buFontTx/>
           <a:buNone/>
           <a:tabLst/>
-          <a:defRPr b="0" baseline="0" cap="none" i="0" spc="0" strike="noStrike" sz="1800" u="none" kumimoji="0" normalizeH="0">
+          <a:defRPr kumimoji="0" sz="1800" b="0" i="0" u="none" strike="noStrike" cap="none" spc="0" normalizeH="0" baseline="0">
             <a:ln>
               <a:noFill/>
             </a:ln>
@@ -5096,7 +5255,7 @@
           <a:buFontTx/>
           <a:buNone/>
           <a:tabLst/>
-          <a:defRPr b="0" baseline="0" cap="none" i="0" spc="0" strike="noStrike" sz="1800" u="none" kumimoji="0" normalizeH="0">
+          <a:defRPr kumimoji="0" sz="1800" b="0" i="0" u="none" strike="noStrike" cap="none" spc="0" normalizeH="0" baseline="0">
             <a:ln>
               <a:noFill/>
             </a:ln>
@@ -5122,7 +5281,7 @@
           <a:buFontTx/>
           <a:buNone/>
           <a:tabLst/>
-          <a:defRPr b="0" baseline="0" cap="none" i="0" spc="0" strike="noStrike" sz="1800" u="none" kumimoji="0" normalizeH="0">
+          <a:defRPr kumimoji="0" sz="1800" b="0" i="0" u="none" strike="noStrike" cap="none" spc="0" normalizeH="0" baseline="0">
             <a:ln>
               <a:noFill/>
             </a:ln>
@@ -5148,7 +5307,7 @@
           <a:buFontTx/>
           <a:buNone/>
           <a:tabLst/>
-          <a:defRPr b="0" baseline="0" cap="none" i="0" spc="0" strike="noStrike" sz="1800" u="none" kumimoji="0" normalizeH="0">
+          <a:defRPr kumimoji="0" sz="1800" b="0" i="0" u="none" strike="noStrike" cap="none" spc="0" normalizeH="0" baseline="0">
             <a:ln>
               <a:noFill/>
             </a:ln>
@@ -5174,7 +5333,7 @@
           <a:buFontTx/>
           <a:buNone/>
           <a:tabLst/>
-          <a:defRPr b="0" baseline="0" cap="none" i="0" spc="0" strike="noStrike" sz="1800" u="none" kumimoji="0" normalizeH="0">
+          <a:defRPr kumimoji="0" sz="1800" b="0" i="0" u="none" strike="noStrike" cap="none" spc="0" normalizeH="0" baseline="0">
             <a:ln>
               <a:noFill/>
             </a:ln>
@@ -5200,7 +5359,7 @@
           <a:buFontTx/>
           <a:buNone/>
           <a:tabLst/>
-          <a:defRPr b="0" baseline="0" cap="none" i="0" spc="0" strike="noStrike" sz="1800" u="none" kumimoji="0" normalizeH="0">
+          <a:defRPr kumimoji="0" sz="1800" b="0" i="0" u="none" strike="noStrike" cap="none" spc="0" normalizeH="0" baseline="0">
             <a:ln>
               <a:noFill/>
             </a:ln>
@@ -5226,7 +5385,7 @@
           <a:buFontTx/>
           <a:buNone/>
           <a:tabLst/>
-          <a:defRPr b="0" baseline="0" cap="none" i="0" spc="0" strike="noStrike" sz="1800" u="none" kumimoji="0" normalizeH="0">
+          <a:defRPr kumimoji="0" sz="1800" b="0" i="0" u="none" strike="noStrike" cap="none" spc="0" normalizeH="0" baseline="0">
             <a:ln>
               <a:noFill/>
             </a:ln>
@@ -5252,7 +5411,7 @@
           <a:buFontTx/>
           <a:buNone/>
           <a:tabLst/>
-          <a:defRPr b="0" baseline="0" cap="none" i="0" spc="0" strike="noStrike" sz="1800" u="none" kumimoji="0" normalizeH="0">
+          <a:defRPr kumimoji="0" sz="1800" b="0" i="0" u="none" strike="noStrike" cap="none" spc="0" normalizeH="0" baseline="0">
             <a:ln>
               <a:noFill/>
             </a:ln>
@@ -5265,9 +5424,15 @@
         </a:lvl9pPr>
       </a:lstStyle>
       <a:style>
-        <a:lnRef idx="0"/>
-        <a:fillRef idx="0"/>
-        <a:effectRef idx="0"/>
+        <a:lnRef idx="0">
+          <a:scrgbClr r="0" g="0" b="0"/>
+        </a:lnRef>
+        <a:fillRef idx="0">
+          <a:scrgbClr r="0" g="0" b="0"/>
+        </a:fillRef>
+        <a:effectRef idx="0">
+          <a:scrgbClr r="0" g="0" b="0"/>
+        </a:effectRef>
         <a:fontRef idx="none"/>
       </a:style>
     </a:lnDef>
@@ -5281,7 +5446,7 @@
         <a:effectLst/>
         <a:sp3d/>
       </a:spPr>
-      <a:bodyPr rot="0" spcFirstLastPara="1" vertOverflow="overflow" horzOverflow="overflow" vert="horz" wrap="square" lIns="0" tIns="0" rIns="0" bIns="0" numCol="1" spcCol="38100" rtlCol="0" anchor="t" upright="0">
+      <a:bodyPr rot="0" spcFirstLastPara="1" vertOverflow="overflow" horzOverflow="overflow" vert="horz" wrap="square" lIns="0" tIns="0" rIns="0" bIns="0" numCol="1" spcCol="38100" rtlCol="0" anchor="t">
         <a:spAutoFit/>
       </a:bodyPr>
       <a:lstStyle>
@@ -5300,7 +5465,7 @@
           <a:buFontTx/>
           <a:buNone/>
           <a:tabLst/>
-          <a:defRPr b="0" baseline="0" cap="none" i="0" spc="0" strike="noStrike" sz="1400" u="none" kumimoji="0" normalizeH="0">
+          <a:defRPr kumimoji="0" sz="1400" b="0" i="0" u="none" strike="noStrike" cap="none" spc="0" normalizeH="0" baseline="0">
             <a:ln>
               <a:noFill/>
             </a:ln>
@@ -5330,7 +5495,7 @@
           <a:buFontTx/>
           <a:buNone/>
           <a:tabLst/>
-          <a:defRPr b="0" baseline="0" cap="none" i="0" spc="0" strike="noStrike" sz="1800" u="none" kumimoji="0" normalizeH="0">
+          <a:defRPr kumimoji="0" sz="1800" b="0" i="0" u="none" strike="noStrike" cap="none" spc="0" normalizeH="0" baseline="0">
             <a:ln>
               <a:noFill/>
             </a:ln>
@@ -5356,7 +5521,7 @@
           <a:buFontTx/>
           <a:buNone/>
           <a:tabLst/>
-          <a:defRPr b="0" baseline="0" cap="none" i="0" spc="0" strike="noStrike" sz="1800" u="none" kumimoji="0" normalizeH="0">
+          <a:defRPr kumimoji="0" sz="1800" b="0" i="0" u="none" strike="noStrike" cap="none" spc="0" normalizeH="0" baseline="0">
             <a:ln>
               <a:noFill/>
             </a:ln>
@@ -5382,7 +5547,7 @@
           <a:buFontTx/>
           <a:buNone/>
           <a:tabLst/>
-          <a:defRPr b="0" baseline="0" cap="none" i="0" spc="0" strike="noStrike" sz="1800" u="none" kumimoji="0" normalizeH="0">
+          <a:defRPr kumimoji="0" sz="1800" b="0" i="0" u="none" strike="noStrike" cap="none" spc="0" normalizeH="0" baseline="0">
             <a:ln>
               <a:noFill/>
             </a:ln>
@@ -5408,7 +5573,7 @@
           <a:buFontTx/>
           <a:buNone/>
           <a:tabLst/>
-          <a:defRPr b="0" baseline="0" cap="none" i="0" spc="0" strike="noStrike" sz="1800" u="none" kumimoji="0" normalizeH="0">
+          <a:defRPr kumimoji="0" sz="1800" b="0" i="0" u="none" strike="noStrike" cap="none" spc="0" normalizeH="0" baseline="0">
             <a:ln>
               <a:noFill/>
             </a:ln>
@@ -5434,7 +5599,7 @@
           <a:buFontTx/>
           <a:buNone/>
           <a:tabLst/>
-          <a:defRPr b="0" baseline="0" cap="none" i="0" spc="0" strike="noStrike" sz="1800" u="none" kumimoji="0" normalizeH="0">
+          <a:defRPr kumimoji="0" sz="1800" b="0" i="0" u="none" strike="noStrike" cap="none" spc="0" normalizeH="0" baseline="0">
             <a:ln>
               <a:noFill/>
             </a:ln>
@@ -5460,7 +5625,7 @@
           <a:buFontTx/>
           <a:buNone/>
           <a:tabLst/>
-          <a:defRPr b="0" baseline="0" cap="none" i="0" spc="0" strike="noStrike" sz="1800" u="none" kumimoji="0" normalizeH="0">
+          <a:defRPr kumimoji="0" sz="1800" b="0" i="0" u="none" strike="noStrike" cap="none" spc="0" normalizeH="0" baseline="0">
             <a:ln>
               <a:noFill/>
             </a:ln>
@@ -5486,7 +5651,7 @@
           <a:buFontTx/>
           <a:buNone/>
           <a:tabLst/>
-          <a:defRPr b="0" baseline="0" cap="none" i="0" spc="0" strike="noStrike" sz="1800" u="none" kumimoji="0" normalizeH="0">
+          <a:defRPr kumimoji="0" sz="1800" b="0" i="0" u="none" strike="noStrike" cap="none" spc="0" normalizeH="0" baseline="0">
             <a:ln>
               <a:noFill/>
             </a:ln>
@@ -5512,7 +5677,7 @@
           <a:buFontTx/>
           <a:buNone/>
           <a:tabLst/>
-          <a:defRPr b="0" baseline="0" cap="none" i="0" spc="0" strike="noStrike" sz="1800" u="none" kumimoji="0" normalizeH="0">
+          <a:defRPr kumimoji="0" sz="1800" b="0" i="0" u="none" strike="noStrike" cap="none" spc="0" normalizeH="0" baseline="0">
             <a:ln>
               <a:noFill/>
             </a:ln>
@@ -5538,7 +5703,7 @@
           <a:buFontTx/>
           <a:buNone/>
           <a:tabLst/>
-          <a:defRPr b="0" baseline="0" cap="none" i="0" spc="0" strike="noStrike" sz="1800" u="none" kumimoji="0" normalizeH="0">
+          <a:defRPr kumimoji="0" sz="1800" b="0" i="0" u="none" strike="noStrike" cap="none" spc="0" normalizeH="0" baseline="0">
             <a:ln>
               <a:noFill/>
             </a:ln>
@@ -5551,18 +5716,25 @@
         </a:lvl9pPr>
       </a:lstStyle>
       <a:style>
-        <a:lnRef idx="0"/>
-        <a:fillRef idx="0"/>
-        <a:effectRef idx="0"/>
+        <a:lnRef idx="0">
+          <a:scrgbClr r="0" g="0" b="0"/>
+        </a:lnRef>
+        <a:fillRef idx="0">
+          <a:scrgbClr r="0" g="0" b="0"/>
+        </a:fillRef>
+        <a:effectRef idx="0">
+          <a:scrgbClr r="0" g="0" b="0"/>
+        </a:effectRef>
         <a:fontRef idx="none"/>
       </a:style>
     </a:txDef>
   </a:objectDefaults>
+  <a:extraClrSchemeLst/>
 </a:theme>
 </file>
 
 <file path=ppt/theme/theme2.xml><?xml version="1.0" encoding="utf-8"?>
-<a:theme xmlns:a="http://schemas.openxmlformats.org/drawingml/2006/main" xmlns:r="http://schemas.openxmlformats.org/officeDocument/2006/relationships" name="Simple Light">
+<a:theme xmlns:a="http://schemas.openxmlformats.org/drawingml/2006/main" name="Simple Light">
   <a:themeElements>
     <a:clrScheme name="Simple Light">
       <a:dk1>
@@ -5694,7 +5866,7 @@
         </a:effectStyle>
         <a:effectStyle>
           <a:effectLst>
-            <a:outerShdw sx="100000" sy="100000" kx="0" ky="0" algn="b" rotWithShape="0" blurRad="38100" dist="20000" dir="5400000">
+            <a:outerShdw blurRad="38100" dist="20000" dir="5400000" rotWithShape="0">
               <a:srgbClr val="000000">
                 <a:alpha val="38000"/>
               </a:srgbClr>
@@ -5770,7 +5942,7 @@
         <a:effectLst/>
         <a:sp3d/>
       </a:spPr>
-      <a:bodyPr rot="0" spcFirstLastPara="1" vertOverflow="overflow" horzOverflow="overflow" vert="horz" wrap="square" lIns="0" tIns="0" rIns="0" bIns="0" numCol="1" spcCol="38100" rtlCol="0" anchor="t" upright="0">
+      <a:bodyPr rot="0" spcFirstLastPara="1" vertOverflow="overflow" horzOverflow="overflow" vert="horz" wrap="square" lIns="0" tIns="0" rIns="0" bIns="0" numCol="1" spcCol="38100" rtlCol="0" anchor="t">
         <a:spAutoFit/>
       </a:bodyPr>
       <a:lstStyle>
@@ -5789,7 +5961,7 @@
           <a:buFontTx/>
           <a:buNone/>
           <a:tabLst/>
-          <a:defRPr b="0" baseline="0" cap="none" i="0" spc="0" strike="noStrike" sz="1400" u="none" kumimoji="0" normalizeH="0">
+          <a:defRPr kumimoji="0" sz="1400" b="0" i="0" u="none" strike="noStrike" cap="none" spc="0" normalizeH="0" baseline="0">
             <a:ln>
               <a:noFill/>
             </a:ln>
@@ -5819,7 +5991,7 @@
           <a:buFontTx/>
           <a:buNone/>
           <a:tabLst/>
-          <a:defRPr b="0" baseline="0" cap="none" i="0" spc="0" strike="noStrike" sz="1800" u="none" kumimoji="0" normalizeH="0">
+          <a:defRPr kumimoji="0" sz="1800" b="0" i="0" u="none" strike="noStrike" cap="none" spc="0" normalizeH="0" baseline="0">
             <a:ln>
               <a:noFill/>
             </a:ln>
@@ -5845,7 +6017,7 @@
           <a:buFontTx/>
           <a:buNone/>
           <a:tabLst/>
-          <a:defRPr b="0" baseline="0" cap="none" i="0" spc="0" strike="noStrike" sz="1800" u="none" kumimoji="0" normalizeH="0">
+          <a:defRPr kumimoji="0" sz="1800" b="0" i="0" u="none" strike="noStrike" cap="none" spc="0" normalizeH="0" baseline="0">
             <a:ln>
               <a:noFill/>
             </a:ln>
@@ -5871,7 +6043,7 @@
           <a:buFontTx/>
           <a:buNone/>
           <a:tabLst/>
-          <a:defRPr b="0" baseline="0" cap="none" i="0" spc="0" strike="noStrike" sz="1800" u="none" kumimoji="0" normalizeH="0">
+          <a:defRPr kumimoji="0" sz="1800" b="0" i="0" u="none" strike="noStrike" cap="none" spc="0" normalizeH="0" baseline="0">
             <a:ln>
               <a:noFill/>
             </a:ln>
@@ -5897,7 +6069,7 @@
           <a:buFontTx/>
           <a:buNone/>
           <a:tabLst/>
-          <a:defRPr b="0" baseline="0" cap="none" i="0" spc="0" strike="noStrike" sz="1800" u="none" kumimoji="0" normalizeH="0">
+          <a:defRPr kumimoji="0" sz="1800" b="0" i="0" u="none" strike="noStrike" cap="none" spc="0" normalizeH="0" baseline="0">
             <a:ln>
               <a:noFill/>
             </a:ln>
@@ -5923,7 +6095,7 @@
           <a:buFontTx/>
           <a:buNone/>
           <a:tabLst/>
-          <a:defRPr b="0" baseline="0" cap="none" i="0" spc="0" strike="noStrike" sz="1800" u="none" kumimoji="0" normalizeH="0">
+          <a:defRPr kumimoji="0" sz="1800" b="0" i="0" u="none" strike="noStrike" cap="none" spc="0" normalizeH="0" baseline="0">
             <a:ln>
               <a:noFill/>
             </a:ln>
@@ -5949,7 +6121,7 @@
           <a:buFontTx/>
           <a:buNone/>
           <a:tabLst/>
-          <a:defRPr b="0" baseline="0" cap="none" i="0" spc="0" strike="noStrike" sz="1800" u="none" kumimoji="0" normalizeH="0">
+          <a:defRPr kumimoji="0" sz="1800" b="0" i="0" u="none" strike="noStrike" cap="none" spc="0" normalizeH="0" baseline="0">
             <a:ln>
               <a:noFill/>
             </a:ln>
@@ -5975,7 +6147,7 @@
           <a:buFontTx/>
           <a:buNone/>
           <a:tabLst/>
-          <a:defRPr b="0" baseline="0" cap="none" i="0" spc="0" strike="noStrike" sz="1800" u="none" kumimoji="0" normalizeH="0">
+          <a:defRPr kumimoji="0" sz="1800" b="0" i="0" u="none" strike="noStrike" cap="none" spc="0" normalizeH="0" baseline="0">
             <a:ln>
               <a:noFill/>
             </a:ln>
@@ -6001,7 +6173,7 @@
           <a:buFontTx/>
           <a:buNone/>
           <a:tabLst/>
-          <a:defRPr b="0" baseline="0" cap="none" i="0" spc="0" strike="noStrike" sz="1800" u="none" kumimoji="0" normalizeH="0">
+          <a:defRPr kumimoji="0" sz="1800" b="0" i="0" u="none" strike="noStrike" cap="none" spc="0" normalizeH="0" baseline="0">
             <a:ln>
               <a:noFill/>
             </a:ln>
@@ -6027,7 +6199,7 @@
           <a:buFontTx/>
           <a:buNone/>
           <a:tabLst/>
-          <a:defRPr b="0" baseline="0" cap="none" i="0" spc="0" strike="noStrike" sz="1800" u="none" kumimoji="0" normalizeH="0">
+          <a:defRPr kumimoji="0" sz="1800" b="0" i="0" u="none" strike="noStrike" cap="none" spc="0" normalizeH="0" baseline="0">
             <a:ln>
               <a:noFill/>
             </a:ln>
@@ -6040,9 +6212,15 @@
         </a:lvl9pPr>
       </a:lstStyle>
       <a:style>
-        <a:lnRef idx="0"/>
-        <a:fillRef idx="0"/>
-        <a:effectRef idx="0"/>
+        <a:lnRef idx="0">
+          <a:scrgbClr r="0" g="0" b="0"/>
+        </a:lnRef>
+        <a:fillRef idx="0">
+          <a:scrgbClr r="0" g="0" b="0"/>
+        </a:fillRef>
+        <a:effectRef idx="0">
+          <a:scrgbClr r="0" g="0" b="0"/>
+        </a:effectRef>
         <a:fontRef idx="none"/>
       </a:style>
     </a:spDef>
@@ -6057,7 +6235,7 @@
           <a:round/>
         </a:ln>
         <a:effectLst>
-          <a:outerShdw sx="100000" sy="100000" kx="0" ky="0" algn="b" rotWithShape="0" blurRad="38100" dist="20000" dir="5400000">
+          <a:outerShdw blurRad="38100" dist="20000" dir="5400000" rotWithShape="0">
             <a:srgbClr val="000000">
               <a:alpha val="38000"/>
             </a:srgbClr>
@@ -6065,7 +6243,7 @@
         </a:effectLst>
         <a:sp3d/>
       </a:spPr>
-      <a:bodyPr rot="0" spcFirstLastPara="1" vertOverflow="overflow" horzOverflow="overflow" vert="horz" wrap="square" lIns="91439" tIns="45719" rIns="91439" bIns="45719" numCol="1" spcCol="38100" rtlCol="0" anchor="t" upright="0">
+      <a:bodyPr rot="0" spcFirstLastPara="1" vertOverflow="overflow" horzOverflow="overflow" vert="horz" wrap="square" lIns="91439" tIns="45719" rIns="91439" bIns="45719" numCol="1" spcCol="38100" rtlCol="0" anchor="t">
         <a:noAutofit/>
       </a:bodyPr>
       <a:lstStyle>
@@ -6084,7 +6262,7 @@
           <a:buFontTx/>
           <a:buNone/>
           <a:tabLst/>
-          <a:defRPr b="0" baseline="0" cap="none" i="0" spc="0" strike="noStrike" sz="1800" u="none" kumimoji="0" normalizeH="0">
+          <a:defRPr kumimoji="0" sz="1800" b="0" i="0" u="none" strike="noStrike" cap="none" spc="0" normalizeH="0" baseline="0">
             <a:ln>
               <a:noFill/>
             </a:ln>
@@ -6110,7 +6288,7 @@
           <a:buFontTx/>
           <a:buNone/>
           <a:tabLst/>
-          <a:defRPr b="0" baseline="0" cap="none" i="0" spc="0" strike="noStrike" sz="1800" u="none" kumimoji="0" normalizeH="0">
+          <a:defRPr kumimoji="0" sz="1800" b="0" i="0" u="none" strike="noStrike" cap="none" spc="0" normalizeH="0" baseline="0">
             <a:ln>
               <a:noFill/>
             </a:ln>
@@ -6136,7 +6314,7 @@
           <a:buFontTx/>
           <a:buNone/>
           <a:tabLst/>
-          <a:defRPr b="0" baseline="0" cap="none" i="0" spc="0" strike="noStrike" sz="1800" u="none" kumimoji="0" normalizeH="0">
+          <a:defRPr kumimoji="0" sz="1800" b="0" i="0" u="none" strike="noStrike" cap="none" spc="0" normalizeH="0" baseline="0">
             <a:ln>
               <a:noFill/>
             </a:ln>
@@ -6162,7 +6340,7 @@
           <a:buFontTx/>
           <a:buNone/>
           <a:tabLst/>
-          <a:defRPr b="0" baseline="0" cap="none" i="0" spc="0" strike="noStrike" sz="1800" u="none" kumimoji="0" normalizeH="0">
+          <a:defRPr kumimoji="0" sz="1800" b="0" i="0" u="none" strike="noStrike" cap="none" spc="0" normalizeH="0" baseline="0">
             <a:ln>
               <a:noFill/>
             </a:ln>
@@ -6188,7 +6366,7 @@
           <a:buFontTx/>
           <a:buNone/>
           <a:tabLst/>
-          <a:defRPr b="0" baseline="0" cap="none" i="0" spc="0" strike="noStrike" sz="1800" u="none" kumimoji="0" normalizeH="0">
+          <a:defRPr kumimoji="0" sz="1800" b="0" i="0" u="none" strike="noStrike" cap="none" spc="0" normalizeH="0" baseline="0">
             <a:ln>
               <a:noFill/>
             </a:ln>
@@ -6214,7 +6392,7 @@
           <a:buFontTx/>
           <a:buNone/>
           <a:tabLst/>
-          <a:defRPr b="0" baseline="0" cap="none" i="0" spc="0" strike="noStrike" sz="1800" u="none" kumimoji="0" normalizeH="0">
+          <a:defRPr kumimoji="0" sz="1800" b="0" i="0" u="none" strike="noStrike" cap="none" spc="0" normalizeH="0" baseline="0">
             <a:ln>
               <a:noFill/>
             </a:ln>
@@ -6240,7 +6418,7 @@
           <a:buFontTx/>
           <a:buNone/>
           <a:tabLst/>
-          <a:defRPr b="0" baseline="0" cap="none" i="0" spc="0" strike="noStrike" sz="1800" u="none" kumimoji="0" normalizeH="0">
+          <a:defRPr kumimoji="0" sz="1800" b="0" i="0" u="none" strike="noStrike" cap="none" spc="0" normalizeH="0" baseline="0">
             <a:ln>
               <a:noFill/>
             </a:ln>
@@ -6266,7 +6444,7 @@
           <a:buFontTx/>
           <a:buNone/>
           <a:tabLst/>
-          <a:defRPr b="0" baseline="0" cap="none" i="0" spc="0" strike="noStrike" sz="1800" u="none" kumimoji="0" normalizeH="0">
+          <a:defRPr kumimoji="0" sz="1800" b="0" i="0" u="none" strike="noStrike" cap="none" spc="0" normalizeH="0" baseline="0">
             <a:ln>
               <a:noFill/>
             </a:ln>
@@ -6292,7 +6470,7 @@
           <a:buFontTx/>
           <a:buNone/>
           <a:tabLst/>
-          <a:defRPr b="0" baseline="0" cap="none" i="0" spc="0" strike="noStrike" sz="1800" u="none" kumimoji="0" normalizeH="0">
+          <a:defRPr kumimoji="0" sz="1800" b="0" i="0" u="none" strike="noStrike" cap="none" spc="0" normalizeH="0" baseline="0">
             <a:ln>
               <a:noFill/>
             </a:ln>
@@ -6318,7 +6496,7 @@
           <a:buFontTx/>
           <a:buNone/>
           <a:tabLst/>
-          <a:defRPr b="0" baseline="0" cap="none" i="0" spc="0" strike="noStrike" sz="1800" u="none" kumimoji="0" normalizeH="0">
+          <a:defRPr kumimoji="0" sz="1800" b="0" i="0" u="none" strike="noStrike" cap="none" spc="0" normalizeH="0" baseline="0">
             <a:ln>
               <a:noFill/>
             </a:ln>
@@ -6331,9 +6509,15 @@
         </a:lvl9pPr>
       </a:lstStyle>
       <a:style>
-        <a:lnRef idx="0"/>
-        <a:fillRef idx="0"/>
-        <a:effectRef idx="0"/>
+        <a:lnRef idx="0">
+          <a:scrgbClr r="0" g="0" b="0"/>
+        </a:lnRef>
+        <a:fillRef idx="0">
+          <a:scrgbClr r="0" g="0" b="0"/>
+        </a:fillRef>
+        <a:effectRef idx="0">
+          <a:scrgbClr r="0" g="0" b="0"/>
+        </a:effectRef>
         <a:fontRef idx="none"/>
       </a:style>
     </a:lnDef>
@@ -6347,7 +6531,7 @@
         <a:effectLst/>
         <a:sp3d/>
       </a:spPr>
-      <a:bodyPr rot="0" spcFirstLastPara="1" vertOverflow="overflow" horzOverflow="overflow" vert="horz" wrap="square" lIns="0" tIns="0" rIns="0" bIns="0" numCol="1" spcCol="38100" rtlCol="0" anchor="t" upright="0">
+      <a:bodyPr rot="0" spcFirstLastPara="1" vertOverflow="overflow" horzOverflow="overflow" vert="horz" wrap="square" lIns="0" tIns="0" rIns="0" bIns="0" numCol="1" spcCol="38100" rtlCol="0" anchor="t">
         <a:spAutoFit/>
       </a:bodyPr>
       <a:lstStyle>
@@ -6366,7 +6550,7 @@
           <a:buFontTx/>
           <a:buNone/>
           <a:tabLst/>
-          <a:defRPr b="0" baseline="0" cap="none" i="0" spc="0" strike="noStrike" sz="1400" u="none" kumimoji="0" normalizeH="0">
+          <a:defRPr kumimoji="0" sz="1400" b="0" i="0" u="none" strike="noStrike" cap="none" spc="0" normalizeH="0" baseline="0">
             <a:ln>
               <a:noFill/>
             </a:ln>
@@ -6396,7 +6580,7 @@
           <a:buFontTx/>
           <a:buNone/>
           <a:tabLst/>
-          <a:defRPr b="0" baseline="0" cap="none" i="0" spc="0" strike="noStrike" sz="1800" u="none" kumimoji="0" normalizeH="0">
+          <a:defRPr kumimoji="0" sz="1800" b="0" i="0" u="none" strike="noStrike" cap="none" spc="0" normalizeH="0" baseline="0">
             <a:ln>
               <a:noFill/>
             </a:ln>
@@ -6422,7 +6606,7 @@
           <a:buFontTx/>
           <a:buNone/>
           <a:tabLst/>
-          <a:defRPr b="0" baseline="0" cap="none" i="0" spc="0" strike="noStrike" sz="1800" u="none" kumimoji="0" normalizeH="0">
+          <a:defRPr kumimoji="0" sz="1800" b="0" i="0" u="none" strike="noStrike" cap="none" spc="0" normalizeH="0" baseline="0">
             <a:ln>
               <a:noFill/>
             </a:ln>
@@ -6448,7 +6632,7 @@
           <a:buFontTx/>
           <a:buNone/>
           <a:tabLst/>
-          <a:defRPr b="0" baseline="0" cap="none" i="0" spc="0" strike="noStrike" sz="1800" u="none" kumimoji="0" normalizeH="0">
+          <a:defRPr kumimoji="0" sz="1800" b="0" i="0" u="none" strike="noStrike" cap="none" spc="0" normalizeH="0" baseline="0">
             <a:ln>
               <a:noFill/>
             </a:ln>
@@ -6474,7 +6658,7 @@
           <a:buFontTx/>
           <a:buNone/>
           <a:tabLst/>
-          <a:defRPr b="0" baseline="0" cap="none" i="0" spc="0" strike="noStrike" sz="1800" u="none" kumimoji="0" normalizeH="0">
+          <a:defRPr kumimoji="0" sz="1800" b="0" i="0" u="none" strike="noStrike" cap="none" spc="0" normalizeH="0" baseline="0">
             <a:ln>
               <a:noFill/>
             </a:ln>
@@ -6500,7 +6684,7 @@
           <a:buFontTx/>
           <a:buNone/>
           <a:tabLst/>
-          <a:defRPr b="0" baseline="0" cap="none" i="0" spc="0" strike="noStrike" sz="1800" u="none" kumimoji="0" normalizeH="0">
+          <a:defRPr kumimoji="0" sz="1800" b="0" i="0" u="none" strike="noStrike" cap="none" spc="0" normalizeH="0" baseline="0">
             <a:ln>
               <a:noFill/>
             </a:ln>
@@ -6526,7 +6710,7 @@
           <a:buFontTx/>
           <a:buNone/>
           <a:tabLst/>
-          <a:defRPr b="0" baseline="0" cap="none" i="0" spc="0" strike="noStrike" sz="1800" u="none" kumimoji="0" normalizeH="0">
+          <a:defRPr kumimoji="0" sz="1800" b="0" i="0" u="none" strike="noStrike" cap="none" spc="0" normalizeH="0" baseline="0">
             <a:ln>
               <a:noFill/>
             </a:ln>
@@ -6552,7 +6736,7 @@
           <a:buFontTx/>
           <a:buNone/>
           <a:tabLst/>
-          <a:defRPr b="0" baseline="0" cap="none" i="0" spc="0" strike="noStrike" sz="1800" u="none" kumimoji="0" normalizeH="0">
+          <a:defRPr kumimoji="0" sz="1800" b="0" i="0" u="none" strike="noStrike" cap="none" spc="0" normalizeH="0" baseline="0">
             <a:ln>
               <a:noFill/>
             </a:ln>
@@ -6578,7 +6762,7 @@
           <a:buFontTx/>
           <a:buNone/>
           <a:tabLst/>
-          <a:defRPr b="0" baseline="0" cap="none" i="0" spc="0" strike="noStrike" sz="1800" u="none" kumimoji="0" normalizeH="0">
+          <a:defRPr kumimoji="0" sz="1800" b="0" i="0" u="none" strike="noStrike" cap="none" spc="0" normalizeH="0" baseline="0">
             <a:ln>
               <a:noFill/>
             </a:ln>
@@ -6604,7 +6788,7 @@
           <a:buFontTx/>
           <a:buNone/>
           <a:tabLst/>
-          <a:defRPr b="0" baseline="0" cap="none" i="0" spc="0" strike="noStrike" sz="1800" u="none" kumimoji="0" normalizeH="0">
+          <a:defRPr kumimoji="0" sz="1800" b="0" i="0" u="none" strike="noStrike" cap="none" spc="0" normalizeH="0" baseline="0">
             <a:ln>
               <a:noFill/>
             </a:ln>
@@ -6617,12 +6801,19 @@
         </a:lvl9pPr>
       </a:lstStyle>
       <a:style>
-        <a:lnRef idx="0"/>
-        <a:fillRef idx="0"/>
-        <a:effectRef idx="0"/>
+        <a:lnRef idx="0">
+          <a:scrgbClr r="0" g="0" b="0"/>
+        </a:lnRef>
+        <a:fillRef idx="0">
+          <a:scrgbClr r="0" g="0" b="0"/>
+        </a:fillRef>
+        <a:effectRef idx="0">
+          <a:scrgbClr r="0" g="0" b="0"/>
+        </a:effectRef>
         <a:fontRef idx="none"/>
       </a:style>
     </a:txDef>
   </a:objectDefaults>
+  <a:extraClrSchemeLst/>
 </a:theme>
 </file>